--- a/Shader/Bumpness/Bumpness.pptx
+++ b/Shader/Bumpness/Bumpness.pptx
@@ -5,9 +5,12 @@
     <p:sldMasterId id="2147483648" r:id="rId1"/>
   </p:sldMasterIdLst>
   <p:sldIdLst>
-    <p:sldId id="258" r:id="rId2"/>
-    <p:sldId id="256" r:id="rId3"/>
-    <p:sldId id="257" r:id="rId4"/>
+    <p:sldId id="256" r:id="rId2"/>
+    <p:sldId id="259" r:id="rId3"/>
+    <p:sldId id="261" r:id="rId4"/>
+    <p:sldId id="260" r:id="rId5"/>
+    <p:sldId id="257" r:id="rId6"/>
+    <p:sldId id="258" r:id="rId7"/>
   </p:sldIdLst>
   <p:sldSz cx="9144000" cy="6858000" type="screen4x3"/>
   <p:notesSz cx="6858000" cy="9144000"/>
@@ -3021,693 +3024,6 @@
 </file>
 
 <file path=ppt/slides/slide1.xml><?xml version="1.0" encoding="utf-8"?>
-<p:sld xmlns:a="http://schemas.openxmlformats.org/drawingml/2006/main" xmlns:r="http://schemas.openxmlformats.org/officeDocument/2006/relationships" xmlns:p="http://schemas.openxmlformats.org/presentationml/2006/main">
-  <p:cSld>
-    <p:spTree>
-      <p:nvGrpSpPr>
-        <p:cNvPr id="1" name=""/>
-        <p:cNvGrpSpPr/>
-        <p:nvPr/>
-      </p:nvGrpSpPr>
-      <p:grpSpPr>
-        <a:xfrm>
-          <a:off x="0" y="0"/>
-          <a:ext cx="0" cy="0"/>
-          <a:chOff x="0" y="0"/>
-          <a:chExt cx="0" cy="0"/>
-        </a:xfrm>
-      </p:grpSpPr>
-      <p:cxnSp>
-        <p:nvCxnSpPr>
-          <p:cNvPr id="5" name="直接箭头连接符 4"/>
-          <p:cNvCxnSpPr/>
-          <p:nvPr/>
-        </p:nvCxnSpPr>
-        <p:spPr>
-          <a:xfrm>
-            <a:off x="967882" y="3717032"/>
-            <a:ext cx="4176464" cy="0"/>
-          </a:xfrm>
-          <a:prstGeom prst="straightConnector1">
-            <a:avLst/>
-          </a:prstGeom>
-          <a:ln>
-            <a:tailEnd type="arrow"/>
-          </a:ln>
-        </p:spPr>
-        <p:style>
-          <a:lnRef idx="2">
-            <a:schemeClr val="accent1"/>
-          </a:lnRef>
-          <a:fillRef idx="0">
-            <a:schemeClr val="accent1"/>
-          </a:fillRef>
-          <a:effectRef idx="1">
-            <a:schemeClr val="accent1"/>
-          </a:effectRef>
-          <a:fontRef idx="minor">
-            <a:schemeClr val="tx1"/>
-          </a:fontRef>
-        </p:style>
-      </p:cxnSp>
-      <p:cxnSp>
-        <p:nvCxnSpPr>
-          <p:cNvPr id="9" name="直接箭头连接符 8"/>
-          <p:cNvCxnSpPr/>
-          <p:nvPr/>
-        </p:nvCxnSpPr>
-        <p:spPr>
-          <a:xfrm flipV="1">
-            <a:off x="971600" y="404664"/>
-            <a:ext cx="0" cy="3312368"/>
-          </a:xfrm>
-          <a:prstGeom prst="straightConnector1">
-            <a:avLst/>
-          </a:prstGeom>
-          <a:ln>
-            <a:tailEnd type="arrow"/>
-          </a:ln>
-        </p:spPr>
-        <p:style>
-          <a:lnRef idx="2">
-            <a:schemeClr val="accent1"/>
-          </a:lnRef>
-          <a:fillRef idx="0">
-            <a:schemeClr val="accent1"/>
-          </a:fillRef>
-          <a:effectRef idx="1">
-            <a:schemeClr val="accent1"/>
-          </a:effectRef>
-          <a:fontRef idx="minor">
-            <a:schemeClr val="tx1"/>
-          </a:fontRef>
-        </p:style>
-      </p:cxnSp>
-      <p:sp>
-        <p:nvSpPr>
-          <p:cNvPr id="10" name="TextBox 9"/>
-          <p:cNvSpPr txBox="1"/>
-          <p:nvPr/>
-        </p:nvSpPr>
-        <p:spPr>
-          <a:xfrm>
-            <a:off x="5164022" y="3532366"/>
-            <a:ext cx="304892" cy="369332"/>
-          </a:xfrm>
-          <a:prstGeom prst="rect">
-            <a:avLst/>
-          </a:prstGeom>
-          <a:noFill/>
-        </p:spPr>
-        <p:txBody>
-          <a:bodyPr wrap="none" rtlCol="0">
-            <a:spAutoFit/>
-          </a:bodyPr>
-          <a:lstStyle/>
-          <a:p>
-            <a:r>
-              <a:rPr lang="en-US" altLang="zh-CN" dirty="0" smtClean="0"/>
-              <a:t>X</a:t>
-            </a:r>
-            <a:endParaRPr lang="zh-CN" altLang="en-US" dirty="0"/>
-          </a:p>
-        </p:txBody>
-      </p:sp>
-      <p:sp>
-        <p:nvSpPr>
-          <p:cNvPr id="14" name="TextBox 13"/>
-          <p:cNvSpPr txBox="1"/>
-          <p:nvPr/>
-        </p:nvSpPr>
-        <p:spPr>
-          <a:xfrm>
-            <a:off x="815436" y="35332"/>
-            <a:ext cx="296876" cy="369332"/>
-          </a:xfrm>
-          <a:prstGeom prst="rect">
-            <a:avLst/>
-          </a:prstGeom>
-          <a:noFill/>
-        </p:spPr>
-        <p:txBody>
-          <a:bodyPr wrap="none" rtlCol="0">
-            <a:spAutoFit/>
-          </a:bodyPr>
-          <a:lstStyle/>
-          <a:p>
-            <a:r>
-              <a:rPr lang="en-US" altLang="zh-CN" dirty="0"/>
-              <a:t>Y</a:t>
-            </a:r>
-            <a:endParaRPr lang="zh-CN" altLang="en-US" dirty="0"/>
-          </a:p>
-        </p:txBody>
-      </p:sp>
-      <p:sp>
-        <p:nvSpPr>
-          <p:cNvPr id="12" name="TextBox 11"/>
-          <p:cNvSpPr txBox="1"/>
-          <p:nvPr/>
-        </p:nvSpPr>
-        <p:spPr>
-          <a:xfrm>
-            <a:off x="616361" y="3545551"/>
-            <a:ext cx="336952" cy="369332"/>
-          </a:xfrm>
-          <a:prstGeom prst="rect">
-            <a:avLst/>
-          </a:prstGeom>
-          <a:noFill/>
-        </p:spPr>
-        <p:txBody>
-          <a:bodyPr wrap="none" rtlCol="0">
-            <a:spAutoFit/>
-          </a:bodyPr>
-          <a:lstStyle/>
-          <a:p>
-            <a:r>
-              <a:rPr lang="en-US" altLang="zh-CN" dirty="0" smtClean="0"/>
-              <a:t>O</a:t>
-            </a:r>
-            <a:endParaRPr lang="zh-CN" altLang="en-US" dirty="0"/>
-          </a:p>
-        </p:txBody>
-      </p:sp>
-      <p:cxnSp>
-        <p:nvCxnSpPr>
-          <p:cNvPr id="17" name="直接箭头连接符 16"/>
-          <p:cNvCxnSpPr>
-            <a:stCxn id="12" idx="3"/>
-          </p:cNvCxnSpPr>
-          <p:nvPr/>
-        </p:nvCxnSpPr>
-        <p:spPr>
-          <a:xfrm flipV="1">
-            <a:off x="953313" y="2492896"/>
-            <a:ext cx="2966897" cy="1237321"/>
-          </a:xfrm>
-          <a:prstGeom prst="straightConnector1">
-            <a:avLst/>
-          </a:prstGeom>
-          <a:ln>
-            <a:tailEnd type="arrow"/>
-          </a:ln>
-        </p:spPr>
-        <p:style>
-          <a:lnRef idx="2">
-            <a:schemeClr val="accent4"/>
-          </a:lnRef>
-          <a:fillRef idx="0">
-            <a:schemeClr val="accent4"/>
-          </a:fillRef>
-          <a:effectRef idx="1">
-            <a:schemeClr val="accent4"/>
-          </a:effectRef>
-          <a:fontRef idx="minor">
-            <a:schemeClr val="tx1"/>
-          </a:fontRef>
-        </p:style>
-      </p:cxnSp>
-      <p:sp>
-        <p:nvSpPr>
-          <p:cNvPr id="18" name="椭圆 17"/>
-          <p:cNvSpPr/>
-          <p:nvPr/>
-        </p:nvSpPr>
-        <p:spPr>
-          <a:xfrm>
-            <a:off x="3992218" y="2204864"/>
-            <a:ext cx="360040" cy="360040"/>
-          </a:xfrm>
-          <a:prstGeom prst="ellipse">
-            <a:avLst/>
-          </a:prstGeom>
-        </p:spPr>
-        <p:style>
-          <a:lnRef idx="1">
-            <a:schemeClr val="accent2"/>
-          </a:lnRef>
-          <a:fillRef idx="3">
-            <a:schemeClr val="accent2"/>
-          </a:fillRef>
-          <a:effectRef idx="2">
-            <a:schemeClr val="accent2"/>
-          </a:effectRef>
-          <a:fontRef idx="minor">
-            <a:schemeClr val="lt1"/>
-          </a:fontRef>
-        </p:style>
-        <p:txBody>
-          <a:bodyPr rtlCol="0" anchor="ctr"/>
-          <a:lstStyle/>
-          <a:p>
-            <a:pPr algn="ctr"/>
-            <a:r>
-              <a:rPr lang="en-US" altLang="zh-CN" dirty="0" smtClean="0"/>
-              <a:t>A</a:t>
-            </a:r>
-            <a:endParaRPr lang="zh-CN" altLang="en-US" dirty="0"/>
-          </a:p>
-        </p:txBody>
-      </p:sp>
-      <p:cxnSp>
-        <p:nvCxnSpPr>
-          <p:cNvPr id="20" name="直接箭头连接符 19"/>
-          <p:cNvCxnSpPr/>
-          <p:nvPr/>
-        </p:nvCxnSpPr>
-        <p:spPr>
-          <a:xfrm flipV="1">
-            <a:off x="4283968" y="1988840"/>
-            <a:ext cx="579782" cy="324036"/>
-          </a:xfrm>
-          <a:prstGeom prst="straightConnector1">
-            <a:avLst/>
-          </a:prstGeom>
-          <a:ln>
-            <a:tailEnd type="arrow"/>
-          </a:ln>
-        </p:spPr>
-        <p:style>
-          <a:lnRef idx="3">
-            <a:schemeClr val="accent2"/>
-          </a:lnRef>
-          <a:fillRef idx="0">
-            <a:schemeClr val="accent2"/>
-          </a:fillRef>
-          <a:effectRef idx="2">
-            <a:schemeClr val="accent2"/>
-          </a:effectRef>
-          <a:fontRef idx="minor">
-            <a:schemeClr val="tx1"/>
-          </a:fontRef>
-        </p:style>
-      </p:cxnSp>
-      <p:cxnSp>
-        <p:nvCxnSpPr>
-          <p:cNvPr id="21" name="直接箭头连接符 20"/>
-          <p:cNvCxnSpPr>
-            <a:stCxn id="18" idx="0"/>
-          </p:cNvCxnSpPr>
-          <p:nvPr/>
-        </p:nvCxnSpPr>
-        <p:spPr>
-          <a:xfrm flipH="1" flipV="1">
-            <a:off x="3920210" y="1628800"/>
-            <a:ext cx="252028" cy="576064"/>
-          </a:xfrm>
-          <a:prstGeom prst="straightConnector1">
-            <a:avLst/>
-          </a:prstGeom>
-          <a:ln>
-            <a:tailEnd type="arrow"/>
-          </a:ln>
-        </p:spPr>
-        <p:style>
-          <a:lnRef idx="3">
-            <a:schemeClr val="accent3"/>
-          </a:lnRef>
-          <a:fillRef idx="0">
-            <a:schemeClr val="accent3"/>
-          </a:fillRef>
-          <a:effectRef idx="2">
-            <a:schemeClr val="accent3"/>
-          </a:effectRef>
-          <a:fontRef idx="minor">
-            <a:schemeClr val="tx1"/>
-          </a:fontRef>
-        </p:style>
-      </p:cxnSp>
-      <p:sp>
-        <p:nvSpPr>
-          <p:cNvPr id="25" name="TextBox 24"/>
-          <p:cNvSpPr txBox="1"/>
-          <p:nvPr/>
-        </p:nvSpPr>
-        <p:spPr>
-          <a:xfrm>
-            <a:off x="4896205" y="1523118"/>
-            <a:ext cx="1832553" cy="461665"/>
-          </a:xfrm>
-          <a:prstGeom prst="rect">
-            <a:avLst/>
-          </a:prstGeom>
-          <a:noFill/>
-        </p:spPr>
-        <p:txBody>
-          <a:bodyPr wrap="none" rtlCol="0">
-            <a:spAutoFit/>
-          </a:bodyPr>
-          <a:lstStyle/>
-          <a:p>
-            <a:r>
-              <a:rPr lang="zh-CN" altLang="en-US" sz="1200" dirty="0" smtClean="0">
-                <a:solidFill>
-                  <a:schemeClr val="tx1">
-                    <a:lumMod val="75000"/>
-                    <a:lumOff val="25000"/>
-                  </a:schemeClr>
-                </a:solidFill>
-                <a:latin typeface="微软雅黑" pitchFamily="34" charset="-122"/>
-                <a:ea typeface="微软雅黑" pitchFamily="34" charset="-122"/>
-              </a:rPr>
-              <a:t>红线代表</a:t>
-            </a:r>
-            <a:r>
-              <a:rPr lang="en-US" altLang="zh-CN" sz="1200" dirty="0" smtClean="0">
-                <a:solidFill>
-                  <a:schemeClr val="tx1">
-                    <a:lumMod val="75000"/>
-                    <a:lumOff val="25000"/>
-                  </a:schemeClr>
-                </a:solidFill>
-                <a:latin typeface="微软雅黑" pitchFamily="34" charset="-122"/>
-                <a:ea typeface="微软雅黑" pitchFamily="34" charset="-122"/>
-              </a:rPr>
-              <a:t>A</a:t>
-            </a:r>
-            <a:r>
-              <a:rPr lang="zh-CN" altLang="en-US" sz="1200" dirty="0" smtClean="0">
-                <a:solidFill>
-                  <a:schemeClr val="tx1">
-                    <a:lumMod val="75000"/>
-                    <a:lumOff val="25000"/>
-                  </a:schemeClr>
-                </a:solidFill>
-                <a:latin typeface="微软雅黑" pitchFamily="34" charset="-122"/>
-                <a:ea typeface="微软雅黑" pitchFamily="34" charset="-122"/>
-              </a:rPr>
-              <a:t>点的切线向量</a:t>
-            </a:r>
-            <a:endParaRPr lang="en-US" altLang="zh-CN" sz="1200" dirty="0" smtClean="0">
-              <a:solidFill>
-                <a:schemeClr val="tx1">
-                  <a:lumMod val="75000"/>
-                  <a:lumOff val="25000"/>
-                </a:schemeClr>
-              </a:solidFill>
-              <a:latin typeface="微软雅黑" pitchFamily="34" charset="-122"/>
-              <a:ea typeface="微软雅黑" pitchFamily="34" charset="-122"/>
-            </a:endParaRPr>
-          </a:p>
-          <a:p>
-            <a:r>
-              <a:rPr lang="zh-CN" altLang="en-US" sz="1200" dirty="0">
-                <a:solidFill>
-                  <a:schemeClr val="tx1">
-                    <a:lumMod val="75000"/>
-                    <a:lumOff val="25000"/>
-                  </a:schemeClr>
-                </a:solidFill>
-                <a:latin typeface="微软雅黑" pitchFamily="34" charset="-122"/>
-                <a:ea typeface="微软雅黑" pitchFamily="34" charset="-122"/>
-              </a:rPr>
-              <a:t>绿</a:t>
-            </a:r>
-            <a:r>
-              <a:rPr lang="zh-CN" altLang="en-US" sz="1200" dirty="0" smtClean="0">
-                <a:solidFill>
-                  <a:schemeClr val="tx1">
-                    <a:lumMod val="75000"/>
-                    <a:lumOff val="25000"/>
-                  </a:schemeClr>
-                </a:solidFill>
-                <a:latin typeface="微软雅黑" pitchFamily="34" charset="-122"/>
-                <a:ea typeface="微软雅黑" pitchFamily="34" charset="-122"/>
-              </a:rPr>
-              <a:t>线代表</a:t>
-            </a:r>
-            <a:r>
-              <a:rPr lang="en-US" altLang="zh-CN" sz="1200" dirty="0" smtClean="0">
-                <a:solidFill>
-                  <a:schemeClr val="tx1">
-                    <a:lumMod val="75000"/>
-                    <a:lumOff val="25000"/>
-                  </a:schemeClr>
-                </a:solidFill>
-                <a:latin typeface="微软雅黑" pitchFamily="34" charset="-122"/>
-                <a:ea typeface="微软雅黑" pitchFamily="34" charset="-122"/>
-              </a:rPr>
-              <a:t>A</a:t>
-            </a:r>
-            <a:r>
-              <a:rPr lang="zh-CN" altLang="en-US" sz="1200" dirty="0" smtClean="0">
-                <a:solidFill>
-                  <a:schemeClr val="tx1">
-                    <a:lumMod val="75000"/>
-                    <a:lumOff val="25000"/>
-                  </a:schemeClr>
-                </a:solidFill>
-                <a:latin typeface="微软雅黑" pitchFamily="34" charset="-122"/>
-                <a:ea typeface="微软雅黑" pitchFamily="34" charset="-122"/>
-              </a:rPr>
-              <a:t>点的法线向量</a:t>
-            </a:r>
-            <a:endParaRPr lang="zh-CN" altLang="en-US" sz="1200" dirty="0">
-              <a:solidFill>
-                <a:schemeClr val="tx1">
-                  <a:lumMod val="75000"/>
-                  <a:lumOff val="25000"/>
-                </a:schemeClr>
-              </a:solidFill>
-              <a:latin typeface="微软雅黑" pitchFamily="34" charset="-122"/>
-              <a:ea typeface="微软雅黑" pitchFamily="34" charset="-122"/>
-            </a:endParaRPr>
-          </a:p>
-        </p:txBody>
-      </p:sp>
-      <p:sp>
-        <p:nvSpPr>
-          <p:cNvPr id="26" name="TextBox 25"/>
-          <p:cNvSpPr txBox="1"/>
-          <p:nvPr/>
-        </p:nvSpPr>
-        <p:spPr>
-          <a:xfrm>
-            <a:off x="1763688" y="5517232"/>
-            <a:ext cx="3416320" cy="523220"/>
-          </a:xfrm>
-          <a:prstGeom prst="rect">
-            <a:avLst/>
-          </a:prstGeom>
-          <a:noFill/>
-        </p:spPr>
-        <p:txBody>
-          <a:bodyPr wrap="none" rtlCol="0">
-            <a:spAutoFit/>
-          </a:bodyPr>
-          <a:lstStyle/>
-          <a:p>
-            <a:r>
-              <a:rPr lang="zh-CN" altLang="en-US" sz="1400" dirty="0" smtClean="0">
-                <a:latin typeface="微软雅黑" pitchFamily="34" charset="-122"/>
-                <a:ea typeface="微软雅黑" pitchFamily="34" charset="-122"/>
-              </a:rPr>
-              <a:t>每一个点都有自己的切线向量和法线向量</a:t>
-            </a:r>
-            <a:endParaRPr lang="en-US" altLang="zh-CN" sz="1400" dirty="0" smtClean="0">
-              <a:latin typeface="微软雅黑" pitchFamily="34" charset="-122"/>
-              <a:ea typeface="微软雅黑" pitchFamily="34" charset="-122"/>
-            </a:endParaRPr>
-          </a:p>
-          <a:p>
-            <a:r>
-              <a:rPr lang="zh-CN" altLang="en-US" sz="1400" dirty="0">
-                <a:latin typeface="微软雅黑" pitchFamily="34" charset="-122"/>
-                <a:ea typeface="微软雅黑" pitchFamily="34" charset="-122"/>
-              </a:rPr>
-              <a:t>切线</a:t>
-            </a:r>
-            <a:r>
-              <a:rPr lang="zh-CN" altLang="en-US" sz="1400" dirty="0" smtClean="0">
-                <a:latin typeface="微软雅黑" pitchFamily="34" charset="-122"/>
-                <a:ea typeface="微软雅黑" pitchFamily="34" charset="-122"/>
-              </a:rPr>
-              <a:t>向量和法线线向量相差</a:t>
-            </a:r>
-            <a:r>
-              <a:rPr lang="en-US" altLang="zh-CN" sz="1400" dirty="0" smtClean="0">
-                <a:latin typeface="微软雅黑" pitchFamily="34" charset="-122"/>
-                <a:ea typeface="微软雅黑" pitchFamily="34" charset="-122"/>
-              </a:rPr>
-              <a:t>90</a:t>
-            </a:r>
-            <a:r>
-              <a:rPr lang="zh-CN" altLang="en-US" sz="1400" dirty="0" smtClean="0">
-                <a:latin typeface="微软雅黑" pitchFamily="34" charset="-122"/>
-                <a:ea typeface="微软雅黑" pitchFamily="34" charset="-122"/>
-              </a:rPr>
-              <a:t>度</a:t>
-            </a:r>
-            <a:endParaRPr lang="zh-CN" altLang="en-US" sz="1400" dirty="0">
-              <a:latin typeface="微软雅黑" pitchFamily="34" charset="-122"/>
-              <a:ea typeface="微软雅黑" pitchFamily="34" charset="-122"/>
-            </a:endParaRPr>
-          </a:p>
-        </p:txBody>
-      </p:sp>
-      <p:cxnSp>
-        <p:nvCxnSpPr>
-          <p:cNvPr id="28" name="直接箭头连接符 27"/>
-          <p:cNvCxnSpPr/>
-          <p:nvPr/>
-        </p:nvCxnSpPr>
-        <p:spPr>
-          <a:xfrm flipH="1">
-            <a:off x="5144346" y="2074641"/>
-            <a:ext cx="1220950" cy="3370583"/>
-          </a:xfrm>
-          <a:prstGeom prst="straightConnector1">
-            <a:avLst/>
-          </a:prstGeom>
-          <a:ln>
-            <a:tailEnd type="arrow"/>
-          </a:ln>
-        </p:spPr>
-        <p:style>
-          <a:lnRef idx="3">
-            <a:schemeClr val="accent6"/>
-          </a:lnRef>
-          <a:fillRef idx="0">
-            <a:schemeClr val="accent6"/>
-          </a:fillRef>
-          <a:effectRef idx="2">
-            <a:schemeClr val="accent6"/>
-          </a:effectRef>
-          <a:fontRef idx="minor">
-            <a:schemeClr val="tx1"/>
-          </a:fontRef>
-        </p:style>
-      </p:cxnSp>
-      <p:sp>
-        <p:nvSpPr>
-          <p:cNvPr id="30" name="椭圆 29"/>
-          <p:cNvSpPr/>
-          <p:nvPr/>
-        </p:nvSpPr>
-        <p:spPr>
-          <a:xfrm>
-            <a:off x="3812198" y="3894599"/>
-            <a:ext cx="360040" cy="360040"/>
-          </a:xfrm>
-          <a:prstGeom prst="ellipse">
-            <a:avLst/>
-          </a:prstGeom>
-        </p:spPr>
-        <p:style>
-          <a:lnRef idx="1">
-            <a:schemeClr val="accent1"/>
-          </a:lnRef>
-          <a:fillRef idx="3">
-            <a:schemeClr val="accent1"/>
-          </a:fillRef>
-          <a:effectRef idx="2">
-            <a:schemeClr val="accent1"/>
-          </a:effectRef>
-          <a:fontRef idx="minor">
-            <a:schemeClr val="lt1"/>
-          </a:fontRef>
-        </p:style>
-        <p:txBody>
-          <a:bodyPr rtlCol="0" anchor="ctr"/>
-          <a:lstStyle/>
-          <a:p>
-            <a:pPr algn="ctr"/>
-            <a:r>
-              <a:rPr lang="en-US" altLang="zh-CN" dirty="0"/>
-              <a:t>B</a:t>
-            </a:r>
-            <a:endParaRPr lang="zh-CN" altLang="en-US" dirty="0"/>
-          </a:p>
-        </p:txBody>
-      </p:sp>
-      <p:cxnSp>
-        <p:nvCxnSpPr>
-          <p:cNvPr id="31" name="直接箭头连接符 30"/>
-          <p:cNvCxnSpPr/>
-          <p:nvPr/>
-        </p:nvCxnSpPr>
-        <p:spPr>
-          <a:xfrm flipV="1">
-            <a:off x="3952630" y="3717032"/>
-            <a:ext cx="621229" cy="23123"/>
-          </a:xfrm>
-          <a:prstGeom prst="straightConnector1">
-            <a:avLst/>
-          </a:prstGeom>
-          <a:ln>
-            <a:tailEnd type="arrow"/>
-          </a:ln>
-        </p:spPr>
-        <p:style>
-          <a:lnRef idx="3">
-            <a:schemeClr val="accent2"/>
-          </a:lnRef>
-          <a:fillRef idx="0">
-            <a:schemeClr val="accent2"/>
-          </a:fillRef>
-          <a:effectRef idx="2">
-            <a:schemeClr val="accent2"/>
-          </a:effectRef>
-          <a:fontRef idx="minor">
-            <a:schemeClr val="tx1"/>
-          </a:fontRef>
-        </p:style>
-      </p:cxnSp>
-      <p:cxnSp>
-        <p:nvCxnSpPr>
-          <p:cNvPr id="33" name="直接箭头连接符 32"/>
-          <p:cNvCxnSpPr/>
-          <p:nvPr/>
-        </p:nvCxnSpPr>
-        <p:spPr>
-          <a:xfrm flipV="1">
-            <a:off x="3992218" y="3129000"/>
-            <a:ext cx="0" cy="576064"/>
-          </a:xfrm>
-          <a:prstGeom prst="straightConnector1">
-            <a:avLst/>
-          </a:prstGeom>
-          <a:ln>
-            <a:tailEnd type="arrow"/>
-          </a:ln>
-        </p:spPr>
-        <p:style>
-          <a:lnRef idx="3">
-            <a:schemeClr val="accent3"/>
-          </a:lnRef>
-          <a:fillRef idx="0">
-            <a:schemeClr val="accent3"/>
-          </a:fillRef>
-          <a:effectRef idx="2">
-            <a:schemeClr val="accent3"/>
-          </a:effectRef>
-          <a:fontRef idx="minor">
-            <a:schemeClr val="tx1"/>
-          </a:fontRef>
-        </p:style>
-      </p:cxnSp>
-    </p:spTree>
-    <p:extLst>
-      <p:ext uri="{BB962C8B-B14F-4D97-AF65-F5344CB8AC3E}">
-        <p14:creationId xmlns:p14="http://schemas.microsoft.com/office/powerpoint/2010/main" val="595687775"/>
-      </p:ext>
-    </p:extLst>
-  </p:cSld>
-  <p:clrMapOvr>
-    <a:masterClrMapping/>
-  </p:clrMapOvr>
-  <p:timing>
-    <p:tnLst>
-      <p:par>
-        <p:cTn id="1" dur="indefinite" restart="never" nodeType="tmRoot"/>
-      </p:par>
-    </p:tnLst>
-  </p:timing>
-</p:sld>
-</file>
-
-<file path=ppt/slides/slide2.xml><?xml version="1.0" encoding="utf-8"?>
 <p:sld xmlns:a="http://schemas.openxmlformats.org/drawingml/2006/main" xmlns:r="http://schemas.openxmlformats.org/officeDocument/2006/relationships" xmlns:p="http://schemas.openxmlformats.org/presentationml/2006/main">
   <p:cSld>
     <p:spTree>
@@ -4330,7 +3646,1210 @@
 </p:sld>
 </file>
 
+<file path=ppt/slides/slide2.xml><?xml version="1.0" encoding="utf-8"?>
+<p:sld xmlns:a="http://schemas.openxmlformats.org/drawingml/2006/main" xmlns:r="http://schemas.openxmlformats.org/officeDocument/2006/relationships" xmlns:p="http://schemas.openxmlformats.org/presentationml/2006/main">
+  <p:cSld>
+    <p:spTree>
+      <p:nvGrpSpPr>
+        <p:cNvPr id="1" name=""/>
+        <p:cNvGrpSpPr/>
+        <p:nvPr/>
+      </p:nvGrpSpPr>
+      <p:grpSpPr>
+        <a:xfrm>
+          <a:off x="0" y="0"/>
+          <a:ext cx="0" cy="0"/>
+          <a:chOff x="0" y="0"/>
+          <a:chExt cx="0" cy="0"/>
+        </a:xfrm>
+      </p:grpSpPr>
+      <p:pic>
+        <p:nvPicPr>
+          <p:cNvPr id="1026" name="Picture 2" descr="http://catlikecoding.com/unity/tutorials/rendering/part-6/bump-mapping/tangent-diagram.png"/>
+          <p:cNvPicPr>
+            <a:picLocks noChangeAspect="1" noChangeArrowheads="1"/>
+          </p:cNvPicPr>
+          <p:nvPr/>
+        </p:nvPicPr>
+        <p:blipFill>
+          <a:blip r:embed="rId2">
+            <a:extLst>
+              <a:ext uri="{28A0092B-C50C-407E-A947-70E740481C1C}">
+                <a14:useLocalDpi xmlns:a14="http://schemas.microsoft.com/office/drawing/2010/main" val="0"/>
+              </a:ext>
+            </a:extLst>
+          </a:blip>
+          <a:srcRect/>
+          <a:stretch>
+            <a:fillRect/>
+          </a:stretch>
+        </p:blipFill>
+        <p:spPr bwMode="auto">
+          <a:xfrm>
+            <a:off x="2411760" y="116632"/>
+            <a:ext cx="4104456" cy="2606885"/>
+          </a:xfrm>
+          <a:prstGeom prst="rect">
+            <a:avLst/>
+          </a:prstGeom>
+          <a:noFill/>
+          <a:extLst>
+            <a:ext uri="{909E8E84-426E-40DD-AFC4-6F175D3DCCD1}">
+              <a14:hiddenFill xmlns:a14="http://schemas.microsoft.com/office/drawing/2010/main">
+                <a:solidFill>
+                  <a:srgbClr val="FFFFFF"/>
+                </a:solidFill>
+              </a14:hiddenFill>
+            </a:ext>
+          </a:extLst>
+        </p:spPr>
+      </p:pic>
+      <p:pic>
+        <p:nvPicPr>
+          <p:cNvPr id="1027" name="Picture 3"/>
+          <p:cNvPicPr>
+            <a:picLocks noChangeAspect="1" noChangeArrowheads="1"/>
+          </p:cNvPicPr>
+          <p:nvPr/>
+        </p:nvPicPr>
+        <p:blipFill>
+          <a:blip r:embed="rId3">
+            <a:extLst>
+              <a:ext uri="{28A0092B-C50C-407E-A947-70E740481C1C}">
+                <a14:useLocalDpi xmlns:a14="http://schemas.microsoft.com/office/drawing/2010/main" val="0"/>
+              </a:ext>
+            </a:extLst>
+          </a:blip>
+          <a:srcRect/>
+          <a:stretch>
+            <a:fillRect/>
+          </a:stretch>
+        </p:blipFill>
+        <p:spPr bwMode="auto">
+          <a:xfrm>
+            <a:off x="2411760" y="3212976"/>
+            <a:ext cx="3314700" cy="715963"/>
+          </a:xfrm>
+          <a:prstGeom prst="rect">
+            <a:avLst/>
+          </a:prstGeom>
+          <a:noFill/>
+          <a:ln>
+            <a:noFill/>
+          </a:ln>
+          <a:effectLst/>
+          <a:extLst>
+            <a:ext uri="{909E8E84-426E-40DD-AFC4-6F175D3DCCD1}">
+              <a14:hiddenFill xmlns:a14="http://schemas.microsoft.com/office/drawing/2010/main">
+                <a:solidFill>
+                  <a:schemeClr val="accent1"/>
+                </a:solidFill>
+              </a14:hiddenFill>
+            </a:ext>
+            <a:ext uri="{91240B29-F687-4F45-9708-019B960494DF}">
+              <a14:hiddenLine xmlns:a14="http://schemas.microsoft.com/office/drawing/2010/main" w="9525">
+                <a:solidFill>
+                  <a:schemeClr val="tx1"/>
+                </a:solidFill>
+                <a:miter lim="800000"/>
+                <a:headEnd/>
+                <a:tailEnd/>
+              </a14:hiddenLine>
+            </a:ext>
+            <a:ext uri="{AF507438-7753-43E0-B8FC-AC1667EBCBE1}">
+              <a14:hiddenEffects xmlns:a14="http://schemas.microsoft.com/office/drawing/2010/main">
+                <a:effectLst>
+                  <a:outerShdw dist="35921" dir="2700000" algn="ctr" rotWithShape="0">
+                    <a:schemeClr val="bg2"/>
+                  </a:outerShdw>
+                </a:effectLst>
+              </a14:hiddenEffects>
+            </a:ext>
+          </a:extLst>
+        </p:spPr>
+      </p:pic>
+      <p:pic>
+        <p:nvPicPr>
+          <p:cNvPr id="1028" name="Picture 4"/>
+          <p:cNvPicPr>
+            <a:picLocks noChangeAspect="1" noChangeArrowheads="1"/>
+          </p:cNvPicPr>
+          <p:nvPr/>
+        </p:nvPicPr>
+        <p:blipFill>
+          <a:blip r:embed="rId4">
+            <a:extLst>
+              <a:ext uri="{28A0092B-C50C-407E-A947-70E740481C1C}">
+                <a14:useLocalDpi xmlns:a14="http://schemas.microsoft.com/office/drawing/2010/main" val="0"/>
+              </a:ext>
+            </a:extLst>
+          </a:blip>
+          <a:srcRect/>
+          <a:stretch>
+            <a:fillRect/>
+          </a:stretch>
+        </p:blipFill>
+        <p:spPr bwMode="auto">
+          <a:xfrm>
+            <a:off x="2483768" y="4941168"/>
+            <a:ext cx="2400300" cy="517525"/>
+          </a:xfrm>
+          <a:prstGeom prst="rect">
+            <a:avLst/>
+          </a:prstGeom>
+          <a:noFill/>
+          <a:ln>
+            <a:noFill/>
+          </a:ln>
+          <a:effectLst/>
+          <a:extLst>
+            <a:ext uri="{909E8E84-426E-40DD-AFC4-6F175D3DCCD1}">
+              <a14:hiddenFill xmlns:a14="http://schemas.microsoft.com/office/drawing/2010/main">
+                <a:solidFill>
+                  <a:schemeClr val="accent1"/>
+                </a:solidFill>
+              </a14:hiddenFill>
+            </a:ext>
+            <a:ext uri="{91240B29-F687-4F45-9708-019B960494DF}">
+              <a14:hiddenLine xmlns:a14="http://schemas.microsoft.com/office/drawing/2010/main" w="9525">
+                <a:solidFill>
+                  <a:schemeClr val="tx1"/>
+                </a:solidFill>
+                <a:miter lim="800000"/>
+                <a:headEnd/>
+                <a:tailEnd/>
+              </a14:hiddenLine>
+            </a:ext>
+            <a:ext uri="{AF507438-7753-43E0-B8FC-AC1667EBCBE1}">
+              <a14:hiddenEffects xmlns:a14="http://schemas.microsoft.com/office/drawing/2010/main">
+                <a:effectLst>
+                  <a:outerShdw dist="35921" dir="2700000" algn="ctr" rotWithShape="0">
+                    <a:schemeClr val="bg2"/>
+                  </a:outerShdw>
+                </a:effectLst>
+              </a14:hiddenEffects>
+            </a:ext>
+          </a:extLst>
+        </p:spPr>
+      </p:pic>
+      <p:pic>
+        <p:nvPicPr>
+          <p:cNvPr id="1029" name="Picture 5"/>
+          <p:cNvPicPr>
+            <a:picLocks noChangeAspect="1" noChangeArrowheads="1"/>
+          </p:cNvPicPr>
+          <p:nvPr/>
+        </p:nvPicPr>
+        <p:blipFill>
+          <a:blip r:embed="rId5">
+            <a:extLst>
+              <a:ext uri="{28A0092B-C50C-407E-A947-70E740481C1C}">
+                <a14:useLocalDpi xmlns:a14="http://schemas.microsoft.com/office/drawing/2010/main" val="0"/>
+              </a:ext>
+            </a:extLst>
+          </a:blip>
+          <a:srcRect/>
+          <a:stretch>
+            <a:fillRect/>
+          </a:stretch>
+        </p:blipFill>
+        <p:spPr bwMode="auto">
+          <a:xfrm>
+            <a:off x="5364088" y="2132856"/>
+            <a:ext cx="868363" cy="250825"/>
+          </a:xfrm>
+          <a:prstGeom prst="rect">
+            <a:avLst/>
+          </a:prstGeom>
+          <a:noFill/>
+          <a:ln>
+            <a:noFill/>
+          </a:ln>
+          <a:effectLst/>
+          <a:extLst>
+            <a:ext uri="{909E8E84-426E-40DD-AFC4-6F175D3DCCD1}">
+              <a14:hiddenFill xmlns:a14="http://schemas.microsoft.com/office/drawing/2010/main">
+                <a:solidFill>
+                  <a:schemeClr val="accent1"/>
+                </a:solidFill>
+              </a14:hiddenFill>
+            </a:ext>
+            <a:ext uri="{91240B29-F687-4F45-9708-019B960494DF}">
+              <a14:hiddenLine xmlns:a14="http://schemas.microsoft.com/office/drawing/2010/main" w="9525">
+                <a:solidFill>
+                  <a:schemeClr val="tx1"/>
+                </a:solidFill>
+                <a:miter lim="800000"/>
+                <a:headEnd/>
+                <a:tailEnd/>
+              </a14:hiddenLine>
+            </a:ext>
+            <a:ext uri="{AF507438-7753-43E0-B8FC-AC1667EBCBE1}">
+              <a14:hiddenEffects xmlns:a14="http://schemas.microsoft.com/office/drawing/2010/main">
+                <a:effectLst>
+                  <a:outerShdw dist="35921" dir="2700000" algn="ctr" rotWithShape="0">
+                    <a:schemeClr val="bg2"/>
+                  </a:outerShdw>
+                </a:effectLst>
+              </a14:hiddenEffects>
+            </a:ext>
+          </a:extLst>
+        </p:spPr>
+      </p:pic>
+      <p:pic>
+        <p:nvPicPr>
+          <p:cNvPr id="1030" name="Picture 6"/>
+          <p:cNvPicPr>
+            <a:picLocks noChangeAspect="1" noChangeArrowheads="1"/>
+          </p:cNvPicPr>
+          <p:nvPr/>
+        </p:nvPicPr>
+        <p:blipFill>
+          <a:blip r:embed="rId6">
+            <a:extLst>
+              <a:ext uri="{28A0092B-C50C-407E-A947-70E740481C1C}">
+                <a14:useLocalDpi xmlns:a14="http://schemas.microsoft.com/office/drawing/2010/main" val="0"/>
+              </a:ext>
+            </a:extLst>
+          </a:blip>
+          <a:srcRect/>
+          <a:stretch>
+            <a:fillRect/>
+          </a:stretch>
+        </p:blipFill>
+        <p:spPr bwMode="auto">
+          <a:xfrm>
+            <a:off x="5100638" y="5153893"/>
+            <a:ext cx="1058863" cy="304800"/>
+          </a:xfrm>
+          <a:prstGeom prst="rect">
+            <a:avLst/>
+          </a:prstGeom>
+          <a:noFill/>
+          <a:ln>
+            <a:noFill/>
+          </a:ln>
+          <a:effectLst/>
+          <a:extLst>
+            <a:ext uri="{909E8E84-426E-40DD-AFC4-6F175D3DCCD1}">
+              <a14:hiddenFill xmlns:a14="http://schemas.microsoft.com/office/drawing/2010/main">
+                <a:solidFill>
+                  <a:schemeClr val="accent1"/>
+                </a:solidFill>
+              </a14:hiddenFill>
+            </a:ext>
+            <a:ext uri="{91240B29-F687-4F45-9708-019B960494DF}">
+              <a14:hiddenLine xmlns:a14="http://schemas.microsoft.com/office/drawing/2010/main" w="9525">
+                <a:solidFill>
+                  <a:schemeClr val="tx1"/>
+                </a:solidFill>
+                <a:miter lim="800000"/>
+                <a:headEnd/>
+                <a:tailEnd/>
+              </a14:hiddenLine>
+            </a:ext>
+            <a:ext uri="{AF507438-7753-43E0-B8FC-AC1667EBCBE1}">
+              <a14:hiddenEffects xmlns:a14="http://schemas.microsoft.com/office/drawing/2010/main">
+                <a:effectLst>
+                  <a:outerShdw dist="35921" dir="2700000" algn="ctr" rotWithShape="0">
+                    <a:schemeClr val="bg2"/>
+                  </a:outerShdw>
+                </a:effectLst>
+              </a14:hiddenEffects>
+            </a:ext>
+          </a:extLst>
+        </p:spPr>
+      </p:pic>
+    </p:spTree>
+    <p:extLst>
+      <p:ext uri="{BB962C8B-B14F-4D97-AF65-F5344CB8AC3E}">
+        <p14:creationId xmlns:p14="http://schemas.microsoft.com/office/powerpoint/2010/main" val="3546492083"/>
+      </p:ext>
+    </p:extLst>
+  </p:cSld>
+  <p:clrMapOvr>
+    <a:masterClrMapping/>
+  </p:clrMapOvr>
+  <p:timing>
+    <p:tnLst>
+      <p:par>
+        <p:cTn id="1" dur="indefinite" restart="never" nodeType="tmRoot">
+          <p:childTnLst>
+            <p:seq concurrent="1" nextAc="seek">
+              <p:cTn id="2" dur="indefinite" nodeType="mainSeq">
+                <p:childTnLst>
+                  <p:par>
+                    <p:cTn id="3" fill="hold">
+                      <p:stCondLst>
+                        <p:cond delay="indefinite"/>
+                      </p:stCondLst>
+                      <p:childTnLst>
+                        <p:par>
+                          <p:cTn id="4" fill="hold">
+                            <p:stCondLst>
+                              <p:cond delay="0"/>
+                            </p:stCondLst>
+                            <p:childTnLst>
+                              <p:par>
+                                <p:cTn id="5" presetID="22" presetClass="entr" presetSubtype="4" fill="hold" nodeType="clickEffect">
+                                  <p:stCondLst>
+                                    <p:cond delay="0"/>
+                                  </p:stCondLst>
+                                  <p:childTnLst>
+                                    <p:set>
+                                      <p:cBhvr>
+                                        <p:cTn id="6" dur="1" fill="hold">
+                                          <p:stCondLst>
+                                            <p:cond delay="0"/>
+                                          </p:stCondLst>
+                                        </p:cTn>
+                                        <p:tgtEl>
+                                          <p:spTgt spid="1026"/>
+                                        </p:tgtEl>
+                                        <p:attrNameLst>
+                                          <p:attrName>style.visibility</p:attrName>
+                                        </p:attrNameLst>
+                                      </p:cBhvr>
+                                      <p:to>
+                                        <p:strVal val="visible"/>
+                                      </p:to>
+                                    </p:set>
+                                    <p:animEffect transition="in" filter="wipe(down)">
+                                      <p:cBhvr>
+                                        <p:cTn id="7" dur="500"/>
+                                        <p:tgtEl>
+                                          <p:spTgt spid="1026"/>
+                                        </p:tgtEl>
+                                      </p:cBhvr>
+                                    </p:animEffect>
+                                  </p:childTnLst>
+                                </p:cTn>
+                              </p:par>
+                              <p:par>
+                                <p:cTn id="8" presetID="1" presetClass="entr" presetSubtype="0" fill="hold" nodeType="withEffect">
+                                  <p:stCondLst>
+                                    <p:cond delay="0"/>
+                                  </p:stCondLst>
+                                  <p:childTnLst>
+                                    <p:set>
+                                      <p:cBhvr>
+                                        <p:cTn id="9" dur="1" fill="hold">
+                                          <p:stCondLst>
+                                            <p:cond delay="0"/>
+                                          </p:stCondLst>
+                                        </p:cTn>
+                                        <p:tgtEl>
+                                          <p:spTgt spid="1029"/>
+                                        </p:tgtEl>
+                                        <p:attrNameLst>
+                                          <p:attrName>style.visibility</p:attrName>
+                                        </p:attrNameLst>
+                                      </p:cBhvr>
+                                      <p:to>
+                                        <p:strVal val="visible"/>
+                                      </p:to>
+                                    </p:set>
+                                  </p:childTnLst>
+                                </p:cTn>
+                              </p:par>
+                            </p:childTnLst>
+                          </p:cTn>
+                        </p:par>
+                      </p:childTnLst>
+                    </p:cTn>
+                  </p:par>
+                  <p:par>
+                    <p:cTn id="10" fill="hold">
+                      <p:stCondLst>
+                        <p:cond delay="indefinite"/>
+                      </p:stCondLst>
+                      <p:childTnLst>
+                        <p:par>
+                          <p:cTn id="11" fill="hold">
+                            <p:stCondLst>
+                              <p:cond delay="0"/>
+                            </p:stCondLst>
+                            <p:childTnLst>
+                              <p:par>
+                                <p:cTn id="12" presetID="45" presetClass="entr" presetSubtype="0" fill="hold" nodeType="clickEffect">
+                                  <p:stCondLst>
+                                    <p:cond delay="0"/>
+                                  </p:stCondLst>
+                                  <p:childTnLst>
+                                    <p:set>
+                                      <p:cBhvr>
+                                        <p:cTn id="13" dur="1" fill="hold">
+                                          <p:stCondLst>
+                                            <p:cond delay="0"/>
+                                          </p:stCondLst>
+                                        </p:cTn>
+                                        <p:tgtEl>
+                                          <p:spTgt spid="1027"/>
+                                        </p:tgtEl>
+                                        <p:attrNameLst>
+                                          <p:attrName>style.visibility</p:attrName>
+                                        </p:attrNameLst>
+                                      </p:cBhvr>
+                                      <p:to>
+                                        <p:strVal val="visible"/>
+                                      </p:to>
+                                    </p:set>
+                                    <p:animEffect transition="in" filter="fade">
+                                      <p:cBhvr>
+                                        <p:cTn id="14" dur="500"/>
+                                        <p:tgtEl>
+                                          <p:spTgt spid="1027"/>
+                                        </p:tgtEl>
+                                      </p:cBhvr>
+                                    </p:animEffect>
+                                    <p:anim calcmode="lin" valueType="num">
+                                      <p:cBhvr>
+                                        <p:cTn id="15" dur="500" fill="hold"/>
+                                        <p:tgtEl>
+                                          <p:spTgt spid="1027"/>
+                                        </p:tgtEl>
+                                        <p:attrNameLst>
+                                          <p:attrName>ppt_w</p:attrName>
+                                        </p:attrNameLst>
+                                      </p:cBhvr>
+                                      <p:tavLst>
+                                        <p:tav tm="0" fmla="#ppt_w*sin(2.5*pi*$)">
+                                          <p:val>
+                                            <p:fltVal val="0"/>
+                                          </p:val>
+                                        </p:tav>
+                                        <p:tav tm="100000">
+                                          <p:val>
+                                            <p:fltVal val="1"/>
+                                          </p:val>
+                                        </p:tav>
+                                      </p:tavLst>
+                                    </p:anim>
+                                    <p:anim calcmode="lin" valueType="num">
+                                      <p:cBhvr>
+                                        <p:cTn id="16" dur="500" fill="hold"/>
+                                        <p:tgtEl>
+                                          <p:spTgt spid="1027"/>
+                                        </p:tgtEl>
+                                        <p:attrNameLst>
+                                          <p:attrName>ppt_h</p:attrName>
+                                        </p:attrNameLst>
+                                      </p:cBhvr>
+                                      <p:tavLst>
+                                        <p:tav tm="0">
+                                          <p:val>
+                                            <p:strVal val="#ppt_h"/>
+                                          </p:val>
+                                        </p:tav>
+                                        <p:tav tm="100000">
+                                          <p:val>
+                                            <p:strVal val="#ppt_h"/>
+                                          </p:val>
+                                        </p:tav>
+                                      </p:tavLst>
+                                    </p:anim>
+                                  </p:childTnLst>
+                                </p:cTn>
+                              </p:par>
+                            </p:childTnLst>
+                          </p:cTn>
+                        </p:par>
+                      </p:childTnLst>
+                    </p:cTn>
+                  </p:par>
+                  <p:par>
+                    <p:cTn id="17" fill="hold">
+                      <p:stCondLst>
+                        <p:cond delay="indefinite"/>
+                      </p:stCondLst>
+                      <p:childTnLst>
+                        <p:par>
+                          <p:cTn id="18" fill="hold">
+                            <p:stCondLst>
+                              <p:cond delay="0"/>
+                            </p:stCondLst>
+                            <p:childTnLst>
+                              <p:par>
+                                <p:cTn id="19" presetID="45" presetClass="entr" presetSubtype="0" fill="hold" nodeType="clickEffect">
+                                  <p:stCondLst>
+                                    <p:cond delay="0"/>
+                                  </p:stCondLst>
+                                  <p:childTnLst>
+                                    <p:set>
+                                      <p:cBhvr>
+                                        <p:cTn id="20" dur="1" fill="hold">
+                                          <p:stCondLst>
+                                            <p:cond delay="0"/>
+                                          </p:stCondLst>
+                                        </p:cTn>
+                                        <p:tgtEl>
+                                          <p:spTgt spid="1028"/>
+                                        </p:tgtEl>
+                                        <p:attrNameLst>
+                                          <p:attrName>style.visibility</p:attrName>
+                                        </p:attrNameLst>
+                                      </p:cBhvr>
+                                      <p:to>
+                                        <p:strVal val="visible"/>
+                                      </p:to>
+                                    </p:set>
+                                    <p:animEffect transition="in" filter="fade">
+                                      <p:cBhvr>
+                                        <p:cTn id="21" dur="500"/>
+                                        <p:tgtEl>
+                                          <p:spTgt spid="1028"/>
+                                        </p:tgtEl>
+                                      </p:cBhvr>
+                                    </p:animEffect>
+                                    <p:anim calcmode="lin" valueType="num">
+                                      <p:cBhvr>
+                                        <p:cTn id="22" dur="500" fill="hold"/>
+                                        <p:tgtEl>
+                                          <p:spTgt spid="1028"/>
+                                        </p:tgtEl>
+                                        <p:attrNameLst>
+                                          <p:attrName>ppt_w</p:attrName>
+                                        </p:attrNameLst>
+                                      </p:cBhvr>
+                                      <p:tavLst>
+                                        <p:tav tm="0" fmla="#ppt_w*sin(2.5*pi*$)">
+                                          <p:val>
+                                            <p:fltVal val="0"/>
+                                          </p:val>
+                                        </p:tav>
+                                        <p:tav tm="100000">
+                                          <p:val>
+                                            <p:fltVal val="1"/>
+                                          </p:val>
+                                        </p:tav>
+                                      </p:tavLst>
+                                    </p:anim>
+                                    <p:anim calcmode="lin" valueType="num">
+                                      <p:cBhvr>
+                                        <p:cTn id="23" dur="500" fill="hold"/>
+                                        <p:tgtEl>
+                                          <p:spTgt spid="1028"/>
+                                        </p:tgtEl>
+                                        <p:attrNameLst>
+                                          <p:attrName>ppt_h</p:attrName>
+                                        </p:attrNameLst>
+                                      </p:cBhvr>
+                                      <p:tavLst>
+                                        <p:tav tm="0">
+                                          <p:val>
+                                            <p:strVal val="#ppt_h"/>
+                                          </p:val>
+                                        </p:tav>
+                                        <p:tav tm="100000">
+                                          <p:val>
+                                            <p:strVal val="#ppt_h"/>
+                                          </p:val>
+                                        </p:tav>
+                                      </p:tavLst>
+                                    </p:anim>
+                                  </p:childTnLst>
+                                </p:cTn>
+                              </p:par>
+                              <p:par>
+                                <p:cTn id="24" presetID="45" presetClass="entr" presetSubtype="0" fill="hold" nodeType="withEffect">
+                                  <p:stCondLst>
+                                    <p:cond delay="0"/>
+                                  </p:stCondLst>
+                                  <p:childTnLst>
+                                    <p:set>
+                                      <p:cBhvr>
+                                        <p:cTn id="25" dur="1" fill="hold">
+                                          <p:stCondLst>
+                                            <p:cond delay="0"/>
+                                          </p:stCondLst>
+                                        </p:cTn>
+                                        <p:tgtEl>
+                                          <p:spTgt spid="1030"/>
+                                        </p:tgtEl>
+                                        <p:attrNameLst>
+                                          <p:attrName>style.visibility</p:attrName>
+                                        </p:attrNameLst>
+                                      </p:cBhvr>
+                                      <p:to>
+                                        <p:strVal val="visible"/>
+                                      </p:to>
+                                    </p:set>
+                                    <p:animEffect transition="in" filter="fade">
+                                      <p:cBhvr>
+                                        <p:cTn id="26" dur="500"/>
+                                        <p:tgtEl>
+                                          <p:spTgt spid="1030"/>
+                                        </p:tgtEl>
+                                      </p:cBhvr>
+                                    </p:animEffect>
+                                    <p:anim calcmode="lin" valueType="num">
+                                      <p:cBhvr>
+                                        <p:cTn id="27" dur="500" fill="hold"/>
+                                        <p:tgtEl>
+                                          <p:spTgt spid="1030"/>
+                                        </p:tgtEl>
+                                        <p:attrNameLst>
+                                          <p:attrName>ppt_w</p:attrName>
+                                        </p:attrNameLst>
+                                      </p:cBhvr>
+                                      <p:tavLst>
+                                        <p:tav tm="0" fmla="#ppt_w*sin(2.5*pi*$)">
+                                          <p:val>
+                                            <p:fltVal val="0"/>
+                                          </p:val>
+                                        </p:tav>
+                                        <p:tav tm="100000">
+                                          <p:val>
+                                            <p:fltVal val="1"/>
+                                          </p:val>
+                                        </p:tav>
+                                      </p:tavLst>
+                                    </p:anim>
+                                    <p:anim calcmode="lin" valueType="num">
+                                      <p:cBhvr>
+                                        <p:cTn id="28" dur="500" fill="hold"/>
+                                        <p:tgtEl>
+                                          <p:spTgt spid="1030"/>
+                                        </p:tgtEl>
+                                        <p:attrNameLst>
+                                          <p:attrName>ppt_h</p:attrName>
+                                        </p:attrNameLst>
+                                      </p:cBhvr>
+                                      <p:tavLst>
+                                        <p:tav tm="0">
+                                          <p:val>
+                                            <p:strVal val="#ppt_h"/>
+                                          </p:val>
+                                        </p:tav>
+                                        <p:tav tm="100000">
+                                          <p:val>
+                                            <p:strVal val="#ppt_h"/>
+                                          </p:val>
+                                        </p:tav>
+                                      </p:tavLst>
+                                    </p:anim>
+                                  </p:childTnLst>
+                                </p:cTn>
+                              </p:par>
+                            </p:childTnLst>
+                          </p:cTn>
+                        </p:par>
+                      </p:childTnLst>
+                    </p:cTn>
+                  </p:par>
+                </p:childTnLst>
+              </p:cTn>
+              <p:prevCondLst>
+                <p:cond evt="onPrev" delay="0">
+                  <p:tgtEl>
+                    <p:sldTgt/>
+                  </p:tgtEl>
+                </p:cond>
+              </p:prevCondLst>
+              <p:nextCondLst>
+                <p:cond evt="onNext" delay="0">
+                  <p:tgtEl>
+                    <p:sldTgt/>
+                  </p:tgtEl>
+                </p:cond>
+              </p:nextCondLst>
+            </p:seq>
+          </p:childTnLst>
+        </p:cTn>
+      </p:par>
+    </p:tnLst>
+  </p:timing>
+</p:sld>
+</file>
+
 <file path=ppt/slides/slide3.xml><?xml version="1.0" encoding="utf-8"?>
+<p:sld xmlns:a="http://schemas.openxmlformats.org/drawingml/2006/main" xmlns:r="http://schemas.openxmlformats.org/officeDocument/2006/relationships" xmlns:p="http://schemas.openxmlformats.org/presentationml/2006/main">
+  <p:cSld>
+    <p:spTree>
+      <p:nvGrpSpPr>
+        <p:cNvPr id="1" name=""/>
+        <p:cNvGrpSpPr/>
+        <p:nvPr/>
+      </p:nvGrpSpPr>
+      <p:grpSpPr>
+        <a:xfrm>
+          <a:off x="0" y="0"/>
+          <a:ext cx="0" cy="0"/>
+          <a:chOff x="0" y="0"/>
+          <a:chExt cx="0" cy="0"/>
+        </a:xfrm>
+      </p:grpSpPr>
+      <p:sp>
+        <p:nvSpPr>
+          <p:cNvPr id="4" name="TextBox 3"/>
+          <p:cNvSpPr txBox="1"/>
+          <p:nvPr/>
+        </p:nvSpPr>
+        <p:spPr>
+          <a:xfrm>
+            <a:off x="2123728" y="764704"/>
+            <a:ext cx="4751557" cy="646331"/>
+          </a:xfrm>
+          <a:prstGeom prst="rect">
+            <a:avLst/>
+          </a:prstGeom>
+          <a:noFill/>
+        </p:spPr>
+        <p:txBody>
+          <a:bodyPr wrap="none" rtlCol="0">
+            <a:spAutoFit/>
+          </a:bodyPr>
+          <a:lstStyle/>
+          <a:p>
+            <a:r>
+              <a:rPr lang="en-US" altLang="zh-CN" sz="3600" dirty="0" smtClean="0">
+                <a:solidFill>
+                  <a:schemeClr val="tx1">
+                    <a:lumMod val="50000"/>
+                    <a:lumOff val="50000"/>
+                  </a:schemeClr>
+                </a:solidFill>
+              </a:rPr>
+              <a:t>From Tangent to Normal</a:t>
+            </a:r>
+            <a:endParaRPr lang="zh-CN" altLang="en-US" sz="3600" dirty="0">
+              <a:solidFill>
+                <a:schemeClr val="tx1">
+                  <a:lumMod val="50000"/>
+                  <a:lumOff val="50000"/>
+                </a:schemeClr>
+              </a:solidFill>
+            </a:endParaRPr>
+          </a:p>
+        </p:txBody>
+      </p:sp>
+      <p:sp>
+        <p:nvSpPr>
+          <p:cNvPr id="5" name="TextBox 4"/>
+          <p:cNvSpPr txBox="1"/>
+          <p:nvPr/>
+        </p:nvSpPr>
+        <p:spPr>
+          <a:xfrm>
+            <a:off x="1043608" y="2132856"/>
+            <a:ext cx="4424673" cy="369332"/>
+          </a:xfrm>
+          <a:prstGeom prst="rect">
+            <a:avLst/>
+          </a:prstGeom>
+          <a:noFill/>
+        </p:spPr>
+        <p:txBody>
+          <a:bodyPr wrap="none" rtlCol="0">
+            <a:spAutoFit/>
+          </a:bodyPr>
+          <a:lstStyle/>
+          <a:p>
+            <a:r>
+              <a:rPr lang="en-US" altLang="zh-CN" dirty="0" smtClean="0"/>
+              <a:t>What value could we use for £ in our shader?</a:t>
+            </a:r>
+            <a:endParaRPr lang="zh-CN" altLang="en-US" dirty="0"/>
+          </a:p>
+        </p:txBody>
+      </p:sp>
+      <p:sp>
+        <p:nvSpPr>
+          <p:cNvPr id="6" name="TextBox 5"/>
+          <p:cNvSpPr txBox="1"/>
+          <p:nvPr/>
+        </p:nvSpPr>
+        <p:spPr>
+          <a:xfrm>
+            <a:off x="1077704" y="3964414"/>
+            <a:ext cx="2092048" cy="369332"/>
+          </a:xfrm>
+          <a:prstGeom prst="rect">
+            <a:avLst/>
+          </a:prstGeom>
+          <a:noFill/>
+        </p:spPr>
+        <p:txBody>
+          <a:bodyPr wrap="none" rtlCol="0">
+            <a:spAutoFit/>
+          </a:bodyPr>
+          <a:lstStyle/>
+          <a:p>
+            <a:r>
+              <a:rPr lang="en-US" altLang="zh-CN" dirty="0" smtClean="0"/>
+              <a:t>_TexelSize variable : </a:t>
+            </a:r>
+            <a:endParaRPr lang="zh-CN" altLang="en-US" dirty="0"/>
+          </a:p>
+        </p:txBody>
+      </p:sp>
+      <p:sp>
+        <p:nvSpPr>
+          <p:cNvPr id="7" name="TextBox 6"/>
+          <p:cNvSpPr txBox="1"/>
+          <p:nvPr/>
+        </p:nvSpPr>
+        <p:spPr>
+          <a:xfrm>
+            <a:off x="3169752" y="4333746"/>
+            <a:ext cx="4831323" cy="646331"/>
+          </a:xfrm>
+          <a:prstGeom prst="rect">
+            <a:avLst/>
+          </a:prstGeom>
+          <a:noFill/>
+        </p:spPr>
+        <p:txBody>
+          <a:bodyPr wrap="none" rtlCol="0">
+            <a:spAutoFit/>
+          </a:bodyPr>
+          <a:lstStyle/>
+          <a:p>
+            <a:r>
+              <a:rPr lang="en-US" altLang="zh-CN" dirty="0"/>
+              <a:t>For example, in case of a 256×128 texture, </a:t>
+            </a:r>
+            <a:endParaRPr lang="en-US" altLang="zh-CN" dirty="0" smtClean="0"/>
+          </a:p>
+          <a:p>
+            <a:r>
+              <a:rPr lang="en-US" altLang="zh-CN" dirty="0" smtClean="0"/>
+              <a:t>it </a:t>
+            </a:r>
+            <a:r>
+              <a:rPr lang="en-US" altLang="zh-CN" dirty="0"/>
+              <a:t>will contain (0.00390625, 0.0078125, 256, 128).</a:t>
+            </a:r>
+            <a:endParaRPr lang="zh-CN" altLang="en-US" dirty="0"/>
+          </a:p>
+        </p:txBody>
+      </p:sp>
+    </p:spTree>
+    <p:extLst>
+      <p:ext uri="{BB962C8B-B14F-4D97-AF65-F5344CB8AC3E}">
+        <p14:creationId xmlns:p14="http://schemas.microsoft.com/office/powerpoint/2010/main" val="3478895532"/>
+      </p:ext>
+    </p:extLst>
+  </p:cSld>
+  <p:clrMapOvr>
+    <a:masterClrMapping/>
+  </p:clrMapOvr>
+  <p:timing>
+    <p:tnLst>
+      <p:par>
+        <p:cTn id="1" dur="indefinite" restart="never" nodeType="tmRoot">
+          <p:childTnLst>
+            <p:seq concurrent="1" nextAc="seek">
+              <p:cTn id="2" dur="indefinite" nodeType="mainSeq">
+                <p:childTnLst>
+                  <p:par>
+                    <p:cTn id="3" fill="hold">
+                      <p:stCondLst>
+                        <p:cond delay="indefinite"/>
+                      </p:stCondLst>
+                      <p:childTnLst>
+                        <p:par>
+                          <p:cTn id="4" fill="hold">
+                            <p:stCondLst>
+                              <p:cond delay="0"/>
+                            </p:stCondLst>
+                            <p:childTnLst>
+                              <p:par>
+                                <p:cTn id="5" presetID="22" presetClass="entr" presetSubtype="4" fill="hold" grpId="0" nodeType="clickEffect">
+                                  <p:stCondLst>
+                                    <p:cond delay="0"/>
+                                  </p:stCondLst>
+                                  <p:childTnLst>
+                                    <p:set>
+                                      <p:cBhvr>
+                                        <p:cTn id="6" dur="1" fill="hold">
+                                          <p:stCondLst>
+                                            <p:cond delay="0"/>
+                                          </p:stCondLst>
+                                        </p:cTn>
+                                        <p:tgtEl>
+                                          <p:spTgt spid="5"/>
+                                        </p:tgtEl>
+                                        <p:attrNameLst>
+                                          <p:attrName>style.visibility</p:attrName>
+                                        </p:attrNameLst>
+                                      </p:cBhvr>
+                                      <p:to>
+                                        <p:strVal val="visible"/>
+                                      </p:to>
+                                    </p:set>
+                                    <p:animEffect transition="in" filter="wipe(down)">
+                                      <p:cBhvr>
+                                        <p:cTn id="7" dur="500"/>
+                                        <p:tgtEl>
+                                          <p:spTgt spid="5"/>
+                                        </p:tgtEl>
+                                      </p:cBhvr>
+                                    </p:animEffect>
+                                  </p:childTnLst>
+                                </p:cTn>
+                              </p:par>
+                            </p:childTnLst>
+                          </p:cTn>
+                        </p:par>
+                      </p:childTnLst>
+                    </p:cTn>
+                  </p:par>
+                  <p:par>
+                    <p:cTn id="8" fill="hold">
+                      <p:stCondLst>
+                        <p:cond delay="indefinite"/>
+                      </p:stCondLst>
+                      <p:childTnLst>
+                        <p:par>
+                          <p:cTn id="9" fill="hold">
+                            <p:stCondLst>
+                              <p:cond delay="0"/>
+                            </p:stCondLst>
+                            <p:childTnLst>
+                              <p:par>
+                                <p:cTn id="10" presetID="6" presetClass="entr" presetSubtype="16" fill="hold" grpId="0" nodeType="clickEffect">
+                                  <p:stCondLst>
+                                    <p:cond delay="0"/>
+                                  </p:stCondLst>
+                                  <p:childTnLst>
+                                    <p:set>
+                                      <p:cBhvr>
+                                        <p:cTn id="11" dur="1" fill="hold">
+                                          <p:stCondLst>
+                                            <p:cond delay="0"/>
+                                          </p:stCondLst>
+                                        </p:cTn>
+                                        <p:tgtEl>
+                                          <p:spTgt spid="6"/>
+                                        </p:tgtEl>
+                                        <p:attrNameLst>
+                                          <p:attrName>style.visibility</p:attrName>
+                                        </p:attrNameLst>
+                                      </p:cBhvr>
+                                      <p:to>
+                                        <p:strVal val="visible"/>
+                                      </p:to>
+                                    </p:set>
+                                    <p:animEffect transition="in" filter="circle(in)">
+                                      <p:cBhvr>
+                                        <p:cTn id="12" dur="500"/>
+                                        <p:tgtEl>
+                                          <p:spTgt spid="6"/>
+                                        </p:tgtEl>
+                                      </p:cBhvr>
+                                    </p:animEffect>
+                                  </p:childTnLst>
+                                </p:cTn>
+                              </p:par>
+                              <p:par>
+                                <p:cTn id="13" presetID="6" presetClass="entr" presetSubtype="16" fill="hold" grpId="0" nodeType="withEffect">
+                                  <p:stCondLst>
+                                    <p:cond delay="0"/>
+                                  </p:stCondLst>
+                                  <p:childTnLst>
+                                    <p:set>
+                                      <p:cBhvr>
+                                        <p:cTn id="14" dur="1" fill="hold">
+                                          <p:stCondLst>
+                                            <p:cond delay="0"/>
+                                          </p:stCondLst>
+                                        </p:cTn>
+                                        <p:tgtEl>
+                                          <p:spTgt spid="7"/>
+                                        </p:tgtEl>
+                                        <p:attrNameLst>
+                                          <p:attrName>style.visibility</p:attrName>
+                                        </p:attrNameLst>
+                                      </p:cBhvr>
+                                      <p:to>
+                                        <p:strVal val="visible"/>
+                                      </p:to>
+                                    </p:set>
+                                    <p:animEffect transition="in" filter="circle(in)">
+                                      <p:cBhvr>
+                                        <p:cTn id="15" dur="500"/>
+                                        <p:tgtEl>
+                                          <p:spTgt spid="7"/>
+                                        </p:tgtEl>
+                                      </p:cBhvr>
+                                    </p:animEffect>
+                                  </p:childTnLst>
+                                </p:cTn>
+                              </p:par>
+                            </p:childTnLst>
+                          </p:cTn>
+                        </p:par>
+                      </p:childTnLst>
+                    </p:cTn>
+                  </p:par>
+                </p:childTnLst>
+              </p:cTn>
+              <p:prevCondLst>
+                <p:cond evt="onPrev" delay="0">
+                  <p:tgtEl>
+                    <p:sldTgt/>
+                  </p:tgtEl>
+                </p:cond>
+              </p:prevCondLst>
+              <p:nextCondLst>
+                <p:cond evt="onNext" delay="0">
+                  <p:tgtEl>
+                    <p:sldTgt/>
+                  </p:tgtEl>
+                </p:cond>
+              </p:nextCondLst>
+            </p:seq>
+          </p:childTnLst>
+        </p:cTn>
+      </p:par>
+    </p:tnLst>
+    <p:bldLst>
+      <p:bldP spid="5" grpId="0"/>
+      <p:bldP spid="6" grpId="0"/>
+      <p:bldP spid="7" grpId="0"/>
+    </p:bldLst>
+  </p:timing>
+</p:sld>
+</file>
+
+<file path=ppt/slides/slide4.xml><?xml version="1.0" encoding="utf-8"?>
+<p:sld xmlns:a="http://schemas.openxmlformats.org/drawingml/2006/main" xmlns:r="http://schemas.openxmlformats.org/officeDocument/2006/relationships" xmlns:p="http://schemas.openxmlformats.org/presentationml/2006/main">
+  <p:cSld>
+    <p:spTree>
+      <p:nvGrpSpPr>
+        <p:cNvPr id="1" name=""/>
+        <p:cNvGrpSpPr/>
+        <p:nvPr/>
+      </p:nvGrpSpPr>
+      <p:grpSpPr>
+        <a:xfrm>
+          <a:off x="0" y="0"/>
+          <a:ext cx="0" cy="0"/>
+          <a:chOff x="0" y="0"/>
+          <a:chExt cx="0" cy="0"/>
+        </a:xfrm>
+      </p:grpSpPr>
+      <p:sp>
+        <p:nvSpPr>
+          <p:cNvPr id="4" name="矩形 3"/>
+          <p:cNvSpPr/>
+          <p:nvPr/>
+        </p:nvSpPr>
+        <p:spPr>
+          <a:xfrm>
+            <a:off x="539552" y="1124744"/>
+            <a:ext cx="7128792" cy="646331"/>
+          </a:xfrm>
+          <a:prstGeom prst="rect">
+            <a:avLst/>
+          </a:prstGeom>
+        </p:spPr>
+        <p:txBody>
+          <a:bodyPr wrap="square">
+            <a:spAutoFit/>
+          </a:bodyPr>
+          <a:lstStyle/>
+          <a:p>
+            <a:r>
+              <a:rPr lang="en-US" altLang="zh-CN" dirty="0">
+                <a:latin typeface="微软雅黑 Light" pitchFamily="34" charset="-122"/>
+                <a:ea typeface="微软雅黑 Light" pitchFamily="34" charset="-122"/>
+              </a:rPr>
+              <a:t>When you calculate the cross product with the tangent vectors, you'll see that </a:t>
+            </a:r>
+            <a:endParaRPr lang="zh-CN" altLang="en-US" dirty="0">
+              <a:latin typeface="微软雅黑 Light" pitchFamily="34" charset="-122"/>
+              <a:ea typeface="微软雅黑 Light" pitchFamily="34" charset="-122"/>
+            </a:endParaRPr>
+          </a:p>
+        </p:txBody>
+      </p:sp>
+      <p:pic>
+        <p:nvPicPr>
+          <p:cNvPr id="2050" name="Picture 2"/>
+          <p:cNvPicPr>
+            <a:picLocks noChangeAspect="1" noChangeArrowheads="1"/>
+          </p:cNvPicPr>
+          <p:nvPr/>
+        </p:nvPicPr>
+        <p:blipFill>
+          <a:blip r:embed="rId2">
+            <a:extLst>
+              <a:ext uri="{28A0092B-C50C-407E-A947-70E740481C1C}">
+                <a14:useLocalDpi xmlns:a14="http://schemas.microsoft.com/office/drawing/2010/main" val="0"/>
+              </a:ext>
+            </a:extLst>
+          </a:blip>
+          <a:srcRect/>
+          <a:stretch>
+            <a:fillRect/>
+          </a:stretch>
+        </p:blipFill>
+        <p:spPr bwMode="auto">
+          <a:xfrm>
+            <a:off x="539552" y="2419063"/>
+            <a:ext cx="5307980" cy="1872208"/>
+          </a:xfrm>
+          <a:prstGeom prst="rect">
+            <a:avLst/>
+          </a:prstGeom>
+          <a:noFill/>
+          <a:ln>
+            <a:noFill/>
+          </a:ln>
+          <a:effectLst/>
+          <a:extLst>
+            <a:ext uri="{909E8E84-426E-40DD-AFC4-6F175D3DCCD1}">
+              <a14:hiddenFill xmlns:a14="http://schemas.microsoft.com/office/drawing/2010/main">
+                <a:solidFill>
+                  <a:schemeClr val="accent1"/>
+                </a:solidFill>
+              </a14:hiddenFill>
+            </a:ext>
+            <a:ext uri="{91240B29-F687-4F45-9708-019B960494DF}">
+              <a14:hiddenLine xmlns:a14="http://schemas.microsoft.com/office/drawing/2010/main" w="9525">
+                <a:solidFill>
+                  <a:schemeClr val="tx1"/>
+                </a:solidFill>
+                <a:miter lim="800000"/>
+                <a:headEnd/>
+                <a:tailEnd/>
+              </a14:hiddenLine>
+            </a:ext>
+            <a:ext uri="{AF507438-7753-43E0-B8FC-AC1667EBCBE1}">
+              <a14:hiddenEffects xmlns:a14="http://schemas.microsoft.com/office/drawing/2010/main">
+                <a:effectLst>
+                  <a:outerShdw dist="35921" dir="2700000" algn="ctr" rotWithShape="0">
+                    <a:schemeClr val="bg2"/>
+                  </a:outerShdw>
+                </a:effectLst>
+              </a14:hiddenEffects>
+            </a:ext>
+          </a:extLst>
+        </p:spPr>
+      </p:pic>
+    </p:spTree>
+    <p:extLst>
+      <p:ext uri="{BB962C8B-B14F-4D97-AF65-F5344CB8AC3E}">
+        <p14:creationId xmlns:p14="http://schemas.microsoft.com/office/powerpoint/2010/main" val="2799867019"/>
+      </p:ext>
+    </p:extLst>
+  </p:cSld>
+  <p:clrMapOvr>
+    <a:masterClrMapping/>
+  </p:clrMapOvr>
+  <p:timing>
+    <p:tnLst>
+      <p:par>
+        <p:cTn id="1" dur="indefinite" restart="never" nodeType="tmRoot"/>
+      </p:par>
+    </p:tnLst>
+  </p:timing>
+</p:sld>
+</file>
+
+<file path=ppt/slides/slide5.xml><?xml version="1.0" encoding="utf-8"?>
 <p:sld xmlns:a="http://schemas.openxmlformats.org/drawingml/2006/main" xmlns:r="http://schemas.openxmlformats.org/officeDocument/2006/relationships" xmlns:p="http://schemas.openxmlformats.org/presentationml/2006/main">
   <p:cSld>
     <p:spTree>
@@ -5078,6 +5597,693 @@
 </p:sld>
 </file>
 
+<file path=ppt/slides/slide6.xml><?xml version="1.0" encoding="utf-8"?>
+<p:sld xmlns:a="http://schemas.openxmlformats.org/drawingml/2006/main" xmlns:r="http://schemas.openxmlformats.org/officeDocument/2006/relationships" xmlns:p="http://schemas.openxmlformats.org/presentationml/2006/main">
+  <p:cSld>
+    <p:spTree>
+      <p:nvGrpSpPr>
+        <p:cNvPr id="1" name=""/>
+        <p:cNvGrpSpPr/>
+        <p:nvPr/>
+      </p:nvGrpSpPr>
+      <p:grpSpPr>
+        <a:xfrm>
+          <a:off x="0" y="0"/>
+          <a:ext cx="0" cy="0"/>
+          <a:chOff x="0" y="0"/>
+          <a:chExt cx="0" cy="0"/>
+        </a:xfrm>
+      </p:grpSpPr>
+      <p:cxnSp>
+        <p:nvCxnSpPr>
+          <p:cNvPr id="5" name="直接箭头连接符 4"/>
+          <p:cNvCxnSpPr/>
+          <p:nvPr/>
+        </p:nvCxnSpPr>
+        <p:spPr>
+          <a:xfrm>
+            <a:off x="967882" y="3717032"/>
+            <a:ext cx="4176464" cy="0"/>
+          </a:xfrm>
+          <a:prstGeom prst="straightConnector1">
+            <a:avLst/>
+          </a:prstGeom>
+          <a:ln>
+            <a:tailEnd type="arrow"/>
+          </a:ln>
+        </p:spPr>
+        <p:style>
+          <a:lnRef idx="2">
+            <a:schemeClr val="accent1"/>
+          </a:lnRef>
+          <a:fillRef idx="0">
+            <a:schemeClr val="accent1"/>
+          </a:fillRef>
+          <a:effectRef idx="1">
+            <a:schemeClr val="accent1"/>
+          </a:effectRef>
+          <a:fontRef idx="minor">
+            <a:schemeClr val="tx1"/>
+          </a:fontRef>
+        </p:style>
+      </p:cxnSp>
+      <p:cxnSp>
+        <p:nvCxnSpPr>
+          <p:cNvPr id="9" name="直接箭头连接符 8"/>
+          <p:cNvCxnSpPr/>
+          <p:nvPr/>
+        </p:nvCxnSpPr>
+        <p:spPr>
+          <a:xfrm flipV="1">
+            <a:off x="971600" y="404664"/>
+            <a:ext cx="0" cy="3312368"/>
+          </a:xfrm>
+          <a:prstGeom prst="straightConnector1">
+            <a:avLst/>
+          </a:prstGeom>
+          <a:ln>
+            <a:tailEnd type="arrow"/>
+          </a:ln>
+        </p:spPr>
+        <p:style>
+          <a:lnRef idx="2">
+            <a:schemeClr val="accent1"/>
+          </a:lnRef>
+          <a:fillRef idx="0">
+            <a:schemeClr val="accent1"/>
+          </a:fillRef>
+          <a:effectRef idx="1">
+            <a:schemeClr val="accent1"/>
+          </a:effectRef>
+          <a:fontRef idx="minor">
+            <a:schemeClr val="tx1"/>
+          </a:fontRef>
+        </p:style>
+      </p:cxnSp>
+      <p:sp>
+        <p:nvSpPr>
+          <p:cNvPr id="10" name="TextBox 9"/>
+          <p:cNvSpPr txBox="1"/>
+          <p:nvPr/>
+        </p:nvSpPr>
+        <p:spPr>
+          <a:xfrm>
+            <a:off x="5164022" y="3532366"/>
+            <a:ext cx="304892" cy="369332"/>
+          </a:xfrm>
+          <a:prstGeom prst="rect">
+            <a:avLst/>
+          </a:prstGeom>
+          <a:noFill/>
+        </p:spPr>
+        <p:txBody>
+          <a:bodyPr wrap="none" rtlCol="0">
+            <a:spAutoFit/>
+          </a:bodyPr>
+          <a:lstStyle/>
+          <a:p>
+            <a:r>
+              <a:rPr lang="en-US" altLang="zh-CN" dirty="0" smtClean="0"/>
+              <a:t>X</a:t>
+            </a:r>
+            <a:endParaRPr lang="zh-CN" altLang="en-US" dirty="0"/>
+          </a:p>
+        </p:txBody>
+      </p:sp>
+      <p:sp>
+        <p:nvSpPr>
+          <p:cNvPr id="14" name="TextBox 13"/>
+          <p:cNvSpPr txBox="1"/>
+          <p:nvPr/>
+        </p:nvSpPr>
+        <p:spPr>
+          <a:xfrm>
+            <a:off x="815436" y="35332"/>
+            <a:ext cx="296876" cy="369332"/>
+          </a:xfrm>
+          <a:prstGeom prst="rect">
+            <a:avLst/>
+          </a:prstGeom>
+          <a:noFill/>
+        </p:spPr>
+        <p:txBody>
+          <a:bodyPr wrap="none" rtlCol="0">
+            <a:spAutoFit/>
+          </a:bodyPr>
+          <a:lstStyle/>
+          <a:p>
+            <a:r>
+              <a:rPr lang="en-US" altLang="zh-CN" dirty="0"/>
+              <a:t>Y</a:t>
+            </a:r>
+            <a:endParaRPr lang="zh-CN" altLang="en-US" dirty="0"/>
+          </a:p>
+        </p:txBody>
+      </p:sp>
+      <p:sp>
+        <p:nvSpPr>
+          <p:cNvPr id="12" name="TextBox 11"/>
+          <p:cNvSpPr txBox="1"/>
+          <p:nvPr/>
+        </p:nvSpPr>
+        <p:spPr>
+          <a:xfrm>
+            <a:off x="616361" y="3545551"/>
+            <a:ext cx="336952" cy="369332"/>
+          </a:xfrm>
+          <a:prstGeom prst="rect">
+            <a:avLst/>
+          </a:prstGeom>
+          <a:noFill/>
+        </p:spPr>
+        <p:txBody>
+          <a:bodyPr wrap="none" rtlCol="0">
+            <a:spAutoFit/>
+          </a:bodyPr>
+          <a:lstStyle/>
+          <a:p>
+            <a:r>
+              <a:rPr lang="en-US" altLang="zh-CN" dirty="0" smtClean="0"/>
+              <a:t>O</a:t>
+            </a:r>
+            <a:endParaRPr lang="zh-CN" altLang="en-US" dirty="0"/>
+          </a:p>
+        </p:txBody>
+      </p:sp>
+      <p:cxnSp>
+        <p:nvCxnSpPr>
+          <p:cNvPr id="17" name="直接箭头连接符 16"/>
+          <p:cNvCxnSpPr>
+            <a:stCxn id="12" idx="3"/>
+          </p:cNvCxnSpPr>
+          <p:nvPr/>
+        </p:nvCxnSpPr>
+        <p:spPr>
+          <a:xfrm flipV="1">
+            <a:off x="953313" y="2492896"/>
+            <a:ext cx="2966897" cy="1237321"/>
+          </a:xfrm>
+          <a:prstGeom prst="straightConnector1">
+            <a:avLst/>
+          </a:prstGeom>
+          <a:ln>
+            <a:tailEnd type="arrow"/>
+          </a:ln>
+        </p:spPr>
+        <p:style>
+          <a:lnRef idx="2">
+            <a:schemeClr val="accent4"/>
+          </a:lnRef>
+          <a:fillRef idx="0">
+            <a:schemeClr val="accent4"/>
+          </a:fillRef>
+          <a:effectRef idx="1">
+            <a:schemeClr val="accent4"/>
+          </a:effectRef>
+          <a:fontRef idx="minor">
+            <a:schemeClr val="tx1"/>
+          </a:fontRef>
+        </p:style>
+      </p:cxnSp>
+      <p:sp>
+        <p:nvSpPr>
+          <p:cNvPr id="18" name="椭圆 17"/>
+          <p:cNvSpPr/>
+          <p:nvPr/>
+        </p:nvSpPr>
+        <p:spPr>
+          <a:xfrm>
+            <a:off x="3992218" y="2204864"/>
+            <a:ext cx="360040" cy="360040"/>
+          </a:xfrm>
+          <a:prstGeom prst="ellipse">
+            <a:avLst/>
+          </a:prstGeom>
+        </p:spPr>
+        <p:style>
+          <a:lnRef idx="1">
+            <a:schemeClr val="accent2"/>
+          </a:lnRef>
+          <a:fillRef idx="3">
+            <a:schemeClr val="accent2"/>
+          </a:fillRef>
+          <a:effectRef idx="2">
+            <a:schemeClr val="accent2"/>
+          </a:effectRef>
+          <a:fontRef idx="minor">
+            <a:schemeClr val="lt1"/>
+          </a:fontRef>
+        </p:style>
+        <p:txBody>
+          <a:bodyPr rtlCol="0" anchor="ctr"/>
+          <a:lstStyle/>
+          <a:p>
+            <a:pPr algn="ctr"/>
+            <a:r>
+              <a:rPr lang="en-US" altLang="zh-CN" dirty="0" smtClean="0"/>
+              <a:t>A</a:t>
+            </a:r>
+            <a:endParaRPr lang="zh-CN" altLang="en-US" dirty="0"/>
+          </a:p>
+        </p:txBody>
+      </p:sp>
+      <p:cxnSp>
+        <p:nvCxnSpPr>
+          <p:cNvPr id="20" name="直接箭头连接符 19"/>
+          <p:cNvCxnSpPr/>
+          <p:nvPr/>
+        </p:nvCxnSpPr>
+        <p:spPr>
+          <a:xfrm flipV="1">
+            <a:off x="4283968" y="1988840"/>
+            <a:ext cx="579782" cy="324036"/>
+          </a:xfrm>
+          <a:prstGeom prst="straightConnector1">
+            <a:avLst/>
+          </a:prstGeom>
+          <a:ln>
+            <a:tailEnd type="arrow"/>
+          </a:ln>
+        </p:spPr>
+        <p:style>
+          <a:lnRef idx="3">
+            <a:schemeClr val="accent2"/>
+          </a:lnRef>
+          <a:fillRef idx="0">
+            <a:schemeClr val="accent2"/>
+          </a:fillRef>
+          <a:effectRef idx="2">
+            <a:schemeClr val="accent2"/>
+          </a:effectRef>
+          <a:fontRef idx="minor">
+            <a:schemeClr val="tx1"/>
+          </a:fontRef>
+        </p:style>
+      </p:cxnSp>
+      <p:cxnSp>
+        <p:nvCxnSpPr>
+          <p:cNvPr id="21" name="直接箭头连接符 20"/>
+          <p:cNvCxnSpPr>
+            <a:stCxn id="18" idx="0"/>
+          </p:cNvCxnSpPr>
+          <p:nvPr/>
+        </p:nvCxnSpPr>
+        <p:spPr>
+          <a:xfrm flipH="1" flipV="1">
+            <a:off x="3920210" y="1628800"/>
+            <a:ext cx="252028" cy="576064"/>
+          </a:xfrm>
+          <a:prstGeom prst="straightConnector1">
+            <a:avLst/>
+          </a:prstGeom>
+          <a:ln>
+            <a:tailEnd type="arrow"/>
+          </a:ln>
+        </p:spPr>
+        <p:style>
+          <a:lnRef idx="3">
+            <a:schemeClr val="accent3"/>
+          </a:lnRef>
+          <a:fillRef idx="0">
+            <a:schemeClr val="accent3"/>
+          </a:fillRef>
+          <a:effectRef idx="2">
+            <a:schemeClr val="accent3"/>
+          </a:effectRef>
+          <a:fontRef idx="minor">
+            <a:schemeClr val="tx1"/>
+          </a:fontRef>
+        </p:style>
+      </p:cxnSp>
+      <p:sp>
+        <p:nvSpPr>
+          <p:cNvPr id="25" name="TextBox 24"/>
+          <p:cNvSpPr txBox="1"/>
+          <p:nvPr/>
+        </p:nvSpPr>
+        <p:spPr>
+          <a:xfrm>
+            <a:off x="4896205" y="1523118"/>
+            <a:ext cx="1832553" cy="461665"/>
+          </a:xfrm>
+          <a:prstGeom prst="rect">
+            <a:avLst/>
+          </a:prstGeom>
+          <a:noFill/>
+        </p:spPr>
+        <p:txBody>
+          <a:bodyPr wrap="none" rtlCol="0">
+            <a:spAutoFit/>
+          </a:bodyPr>
+          <a:lstStyle/>
+          <a:p>
+            <a:r>
+              <a:rPr lang="zh-CN" altLang="en-US" sz="1200" dirty="0" smtClean="0">
+                <a:solidFill>
+                  <a:schemeClr val="tx1">
+                    <a:lumMod val="75000"/>
+                    <a:lumOff val="25000"/>
+                  </a:schemeClr>
+                </a:solidFill>
+                <a:latin typeface="微软雅黑" pitchFamily="34" charset="-122"/>
+                <a:ea typeface="微软雅黑" pitchFamily="34" charset="-122"/>
+              </a:rPr>
+              <a:t>红线代表</a:t>
+            </a:r>
+            <a:r>
+              <a:rPr lang="en-US" altLang="zh-CN" sz="1200" dirty="0" smtClean="0">
+                <a:solidFill>
+                  <a:schemeClr val="tx1">
+                    <a:lumMod val="75000"/>
+                    <a:lumOff val="25000"/>
+                  </a:schemeClr>
+                </a:solidFill>
+                <a:latin typeface="微软雅黑" pitchFamily="34" charset="-122"/>
+                <a:ea typeface="微软雅黑" pitchFamily="34" charset="-122"/>
+              </a:rPr>
+              <a:t>A</a:t>
+            </a:r>
+            <a:r>
+              <a:rPr lang="zh-CN" altLang="en-US" sz="1200" dirty="0" smtClean="0">
+                <a:solidFill>
+                  <a:schemeClr val="tx1">
+                    <a:lumMod val="75000"/>
+                    <a:lumOff val="25000"/>
+                  </a:schemeClr>
+                </a:solidFill>
+                <a:latin typeface="微软雅黑" pitchFamily="34" charset="-122"/>
+                <a:ea typeface="微软雅黑" pitchFamily="34" charset="-122"/>
+              </a:rPr>
+              <a:t>点的切线向量</a:t>
+            </a:r>
+            <a:endParaRPr lang="en-US" altLang="zh-CN" sz="1200" dirty="0" smtClean="0">
+              <a:solidFill>
+                <a:schemeClr val="tx1">
+                  <a:lumMod val="75000"/>
+                  <a:lumOff val="25000"/>
+                </a:schemeClr>
+              </a:solidFill>
+              <a:latin typeface="微软雅黑" pitchFamily="34" charset="-122"/>
+              <a:ea typeface="微软雅黑" pitchFamily="34" charset="-122"/>
+            </a:endParaRPr>
+          </a:p>
+          <a:p>
+            <a:r>
+              <a:rPr lang="zh-CN" altLang="en-US" sz="1200" dirty="0">
+                <a:solidFill>
+                  <a:schemeClr val="tx1">
+                    <a:lumMod val="75000"/>
+                    <a:lumOff val="25000"/>
+                  </a:schemeClr>
+                </a:solidFill>
+                <a:latin typeface="微软雅黑" pitchFamily="34" charset="-122"/>
+                <a:ea typeface="微软雅黑" pitchFamily="34" charset="-122"/>
+              </a:rPr>
+              <a:t>绿</a:t>
+            </a:r>
+            <a:r>
+              <a:rPr lang="zh-CN" altLang="en-US" sz="1200" dirty="0" smtClean="0">
+                <a:solidFill>
+                  <a:schemeClr val="tx1">
+                    <a:lumMod val="75000"/>
+                    <a:lumOff val="25000"/>
+                  </a:schemeClr>
+                </a:solidFill>
+                <a:latin typeface="微软雅黑" pitchFamily="34" charset="-122"/>
+                <a:ea typeface="微软雅黑" pitchFamily="34" charset="-122"/>
+              </a:rPr>
+              <a:t>线代表</a:t>
+            </a:r>
+            <a:r>
+              <a:rPr lang="en-US" altLang="zh-CN" sz="1200" dirty="0" smtClean="0">
+                <a:solidFill>
+                  <a:schemeClr val="tx1">
+                    <a:lumMod val="75000"/>
+                    <a:lumOff val="25000"/>
+                  </a:schemeClr>
+                </a:solidFill>
+                <a:latin typeface="微软雅黑" pitchFamily="34" charset="-122"/>
+                <a:ea typeface="微软雅黑" pitchFamily="34" charset="-122"/>
+              </a:rPr>
+              <a:t>A</a:t>
+            </a:r>
+            <a:r>
+              <a:rPr lang="zh-CN" altLang="en-US" sz="1200" dirty="0" smtClean="0">
+                <a:solidFill>
+                  <a:schemeClr val="tx1">
+                    <a:lumMod val="75000"/>
+                    <a:lumOff val="25000"/>
+                  </a:schemeClr>
+                </a:solidFill>
+                <a:latin typeface="微软雅黑" pitchFamily="34" charset="-122"/>
+                <a:ea typeface="微软雅黑" pitchFamily="34" charset="-122"/>
+              </a:rPr>
+              <a:t>点的法线向量</a:t>
+            </a:r>
+            <a:endParaRPr lang="zh-CN" altLang="en-US" sz="1200" dirty="0">
+              <a:solidFill>
+                <a:schemeClr val="tx1">
+                  <a:lumMod val="75000"/>
+                  <a:lumOff val="25000"/>
+                </a:schemeClr>
+              </a:solidFill>
+              <a:latin typeface="微软雅黑" pitchFamily="34" charset="-122"/>
+              <a:ea typeface="微软雅黑" pitchFamily="34" charset="-122"/>
+            </a:endParaRPr>
+          </a:p>
+        </p:txBody>
+      </p:sp>
+      <p:sp>
+        <p:nvSpPr>
+          <p:cNvPr id="26" name="TextBox 25"/>
+          <p:cNvSpPr txBox="1"/>
+          <p:nvPr/>
+        </p:nvSpPr>
+        <p:spPr>
+          <a:xfrm>
+            <a:off x="1763688" y="5517232"/>
+            <a:ext cx="3416320" cy="523220"/>
+          </a:xfrm>
+          <a:prstGeom prst="rect">
+            <a:avLst/>
+          </a:prstGeom>
+          <a:noFill/>
+        </p:spPr>
+        <p:txBody>
+          <a:bodyPr wrap="none" rtlCol="0">
+            <a:spAutoFit/>
+          </a:bodyPr>
+          <a:lstStyle/>
+          <a:p>
+            <a:r>
+              <a:rPr lang="zh-CN" altLang="en-US" sz="1400" dirty="0" smtClean="0">
+                <a:latin typeface="微软雅黑" pitchFamily="34" charset="-122"/>
+                <a:ea typeface="微软雅黑" pitchFamily="34" charset="-122"/>
+              </a:rPr>
+              <a:t>每一个点都有自己的切线向量和法线向量</a:t>
+            </a:r>
+            <a:endParaRPr lang="en-US" altLang="zh-CN" sz="1400" dirty="0" smtClean="0">
+              <a:latin typeface="微软雅黑" pitchFamily="34" charset="-122"/>
+              <a:ea typeface="微软雅黑" pitchFamily="34" charset="-122"/>
+            </a:endParaRPr>
+          </a:p>
+          <a:p>
+            <a:r>
+              <a:rPr lang="zh-CN" altLang="en-US" sz="1400" dirty="0">
+                <a:latin typeface="微软雅黑" pitchFamily="34" charset="-122"/>
+                <a:ea typeface="微软雅黑" pitchFamily="34" charset="-122"/>
+              </a:rPr>
+              <a:t>切线</a:t>
+            </a:r>
+            <a:r>
+              <a:rPr lang="zh-CN" altLang="en-US" sz="1400" dirty="0" smtClean="0">
+                <a:latin typeface="微软雅黑" pitchFamily="34" charset="-122"/>
+                <a:ea typeface="微软雅黑" pitchFamily="34" charset="-122"/>
+              </a:rPr>
+              <a:t>向量和法线线向量相差</a:t>
+            </a:r>
+            <a:r>
+              <a:rPr lang="en-US" altLang="zh-CN" sz="1400" dirty="0" smtClean="0">
+                <a:latin typeface="微软雅黑" pitchFamily="34" charset="-122"/>
+                <a:ea typeface="微软雅黑" pitchFamily="34" charset="-122"/>
+              </a:rPr>
+              <a:t>90</a:t>
+            </a:r>
+            <a:r>
+              <a:rPr lang="zh-CN" altLang="en-US" sz="1400" dirty="0" smtClean="0">
+                <a:latin typeface="微软雅黑" pitchFamily="34" charset="-122"/>
+                <a:ea typeface="微软雅黑" pitchFamily="34" charset="-122"/>
+              </a:rPr>
+              <a:t>度</a:t>
+            </a:r>
+            <a:endParaRPr lang="zh-CN" altLang="en-US" sz="1400" dirty="0">
+              <a:latin typeface="微软雅黑" pitchFamily="34" charset="-122"/>
+              <a:ea typeface="微软雅黑" pitchFamily="34" charset="-122"/>
+            </a:endParaRPr>
+          </a:p>
+        </p:txBody>
+      </p:sp>
+      <p:cxnSp>
+        <p:nvCxnSpPr>
+          <p:cNvPr id="28" name="直接箭头连接符 27"/>
+          <p:cNvCxnSpPr/>
+          <p:nvPr/>
+        </p:nvCxnSpPr>
+        <p:spPr>
+          <a:xfrm flipH="1">
+            <a:off x="5144346" y="2074641"/>
+            <a:ext cx="1220950" cy="3370583"/>
+          </a:xfrm>
+          <a:prstGeom prst="straightConnector1">
+            <a:avLst/>
+          </a:prstGeom>
+          <a:ln>
+            <a:tailEnd type="arrow"/>
+          </a:ln>
+        </p:spPr>
+        <p:style>
+          <a:lnRef idx="3">
+            <a:schemeClr val="accent6"/>
+          </a:lnRef>
+          <a:fillRef idx="0">
+            <a:schemeClr val="accent6"/>
+          </a:fillRef>
+          <a:effectRef idx="2">
+            <a:schemeClr val="accent6"/>
+          </a:effectRef>
+          <a:fontRef idx="minor">
+            <a:schemeClr val="tx1"/>
+          </a:fontRef>
+        </p:style>
+      </p:cxnSp>
+      <p:sp>
+        <p:nvSpPr>
+          <p:cNvPr id="30" name="椭圆 29"/>
+          <p:cNvSpPr/>
+          <p:nvPr/>
+        </p:nvSpPr>
+        <p:spPr>
+          <a:xfrm>
+            <a:off x="3812198" y="3894599"/>
+            <a:ext cx="360040" cy="360040"/>
+          </a:xfrm>
+          <a:prstGeom prst="ellipse">
+            <a:avLst/>
+          </a:prstGeom>
+        </p:spPr>
+        <p:style>
+          <a:lnRef idx="1">
+            <a:schemeClr val="accent1"/>
+          </a:lnRef>
+          <a:fillRef idx="3">
+            <a:schemeClr val="accent1"/>
+          </a:fillRef>
+          <a:effectRef idx="2">
+            <a:schemeClr val="accent1"/>
+          </a:effectRef>
+          <a:fontRef idx="minor">
+            <a:schemeClr val="lt1"/>
+          </a:fontRef>
+        </p:style>
+        <p:txBody>
+          <a:bodyPr rtlCol="0" anchor="ctr"/>
+          <a:lstStyle/>
+          <a:p>
+            <a:pPr algn="ctr"/>
+            <a:r>
+              <a:rPr lang="en-US" altLang="zh-CN" dirty="0"/>
+              <a:t>B</a:t>
+            </a:r>
+            <a:endParaRPr lang="zh-CN" altLang="en-US" dirty="0"/>
+          </a:p>
+        </p:txBody>
+      </p:sp>
+      <p:cxnSp>
+        <p:nvCxnSpPr>
+          <p:cNvPr id="31" name="直接箭头连接符 30"/>
+          <p:cNvCxnSpPr/>
+          <p:nvPr/>
+        </p:nvCxnSpPr>
+        <p:spPr>
+          <a:xfrm flipV="1">
+            <a:off x="3952630" y="3717032"/>
+            <a:ext cx="621229" cy="23123"/>
+          </a:xfrm>
+          <a:prstGeom prst="straightConnector1">
+            <a:avLst/>
+          </a:prstGeom>
+          <a:ln>
+            <a:tailEnd type="arrow"/>
+          </a:ln>
+        </p:spPr>
+        <p:style>
+          <a:lnRef idx="3">
+            <a:schemeClr val="accent2"/>
+          </a:lnRef>
+          <a:fillRef idx="0">
+            <a:schemeClr val="accent2"/>
+          </a:fillRef>
+          <a:effectRef idx="2">
+            <a:schemeClr val="accent2"/>
+          </a:effectRef>
+          <a:fontRef idx="minor">
+            <a:schemeClr val="tx1"/>
+          </a:fontRef>
+        </p:style>
+      </p:cxnSp>
+      <p:cxnSp>
+        <p:nvCxnSpPr>
+          <p:cNvPr id="33" name="直接箭头连接符 32"/>
+          <p:cNvCxnSpPr/>
+          <p:nvPr/>
+        </p:nvCxnSpPr>
+        <p:spPr>
+          <a:xfrm flipV="1">
+            <a:off x="3992218" y="3129000"/>
+            <a:ext cx="0" cy="576064"/>
+          </a:xfrm>
+          <a:prstGeom prst="straightConnector1">
+            <a:avLst/>
+          </a:prstGeom>
+          <a:ln>
+            <a:tailEnd type="arrow"/>
+          </a:ln>
+        </p:spPr>
+        <p:style>
+          <a:lnRef idx="3">
+            <a:schemeClr val="accent3"/>
+          </a:lnRef>
+          <a:fillRef idx="0">
+            <a:schemeClr val="accent3"/>
+          </a:fillRef>
+          <a:effectRef idx="2">
+            <a:schemeClr val="accent3"/>
+          </a:effectRef>
+          <a:fontRef idx="minor">
+            <a:schemeClr val="tx1"/>
+          </a:fontRef>
+        </p:style>
+      </p:cxnSp>
+    </p:spTree>
+    <p:extLst>
+      <p:ext uri="{BB962C8B-B14F-4D97-AF65-F5344CB8AC3E}">
+        <p14:creationId xmlns:p14="http://schemas.microsoft.com/office/powerpoint/2010/main" val="595687775"/>
+      </p:ext>
+    </p:extLst>
+  </p:cSld>
+  <p:clrMapOvr>
+    <a:masterClrMapping/>
+  </p:clrMapOvr>
+  <p:timing>
+    <p:tnLst>
+      <p:par>
+        <p:cTn id="1" dur="indefinite" restart="never" nodeType="tmRoot"/>
+      </p:par>
+    </p:tnLst>
+  </p:timing>
+</p:sld>
+</file>
+
 <file path=ppt/theme/theme1.xml><?xml version="1.0" encoding="utf-8"?>
 <a:theme xmlns:a="http://schemas.openxmlformats.org/drawingml/2006/main" name="Office 主题">
   <a:themeElements>
